--- a/Disused code/Misc/DLM_DFO/Lectures/4 Making recommendations/L4b Custom output control MPs.pptx
+++ b/Disused code/Misc/DLM_DFO/Lectures/4 Making recommendations/L4b Custom output control MPs.pptx
@@ -5,7 +5,7 @@
     <p:sldMasterId id="2147483660" r:id="rId1"/>
   </p:sldMasterIdLst>
   <p:notesMasterIdLst>
-    <p:notesMasterId r:id="rId14"/>
+    <p:notesMasterId r:id="rId15"/>
   </p:notesMasterIdLst>
   <p:sldIdLst>
     <p:sldId id="333" r:id="rId2"/>
@@ -17,9 +17,10 @@
     <p:sldId id="328" r:id="rId8"/>
     <p:sldId id="330" r:id="rId9"/>
     <p:sldId id="331" r:id="rId10"/>
-    <p:sldId id="332" r:id="rId11"/>
-    <p:sldId id="324" r:id="rId12"/>
-    <p:sldId id="318" r:id="rId13"/>
+    <p:sldId id="334" r:id="rId11"/>
+    <p:sldId id="332" r:id="rId12"/>
+    <p:sldId id="324" r:id="rId13"/>
+    <p:sldId id="318" r:id="rId14"/>
   </p:sldIdLst>
   <p:sldSz cx="9144000" cy="6858000" type="screen4x3"/>
   <p:notesSz cx="6858000" cy="9144000"/>
@@ -167,6 +168,10 @@
 </p:presentation>
 </file>
 
+<file path=ppt/revisionInfo.xml><?xml version="1.0" encoding="utf-8"?>
+<p1510:revInfo xmlns:a="http://schemas.openxmlformats.org/drawingml/2006/main" xmlns:r="http://schemas.openxmlformats.org/officeDocument/2006/relationships" xmlns:p1510="http://schemas.microsoft.com/office/powerpoint/2015/10/main"/>
+</file>
+
 <file path=ppt/notesMasters/notesMaster1.xml><?xml version="1.0" encoding="utf-8"?>
 <p:notesMaster xmlns:a="http://schemas.openxmlformats.org/drawingml/2006/main" xmlns:r="http://schemas.openxmlformats.org/officeDocument/2006/relationships" xmlns:p="http://schemas.openxmlformats.org/presentationml/2006/main">
   <p:cSld>
@@ -265,7 +270,7 @@
               <a:pPr>
                 <a:defRPr/>
               </a:pPr>
-              <a:t>2017-10-20</a:t>
+              <a:t>2017-10-23</a:t>
             </a:fld>
             <a:endParaRPr lang="en-CA"/>
           </a:p>
@@ -330,35 +335,35 @@
           <a:p>
             <a:pPr lvl="0"/>
             <a:r>
-              <a:rPr lang="en-US" noProof="0" smtClean="0"/>
+              <a:rPr lang="en-US" noProof="0"/>
               <a:t>Click to edit Master text styles</a:t>
             </a:r>
           </a:p>
           <a:p>
             <a:pPr lvl="1"/>
             <a:r>
-              <a:rPr lang="en-US" noProof="0" smtClean="0"/>
+              <a:rPr lang="en-US" noProof="0"/>
               <a:t>Second level</a:t>
             </a:r>
           </a:p>
           <a:p>
             <a:pPr lvl="2"/>
             <a:r>
-              <a:rPr lang="en-US" noProof="0" smtClean="0"/>
+              <a:rPr lang="en-US" noProof="0"/>
               <a:t>Third level</a:t>
             </a:r>
           </a:p>
           <a:p>
             <a:pPr lvl="3"/>
             <a:r>
-              <a:rPr lang="en-US" noProof="0" smtClean="0"/>
+              <a:rPr lang="en-US" noProof="0"/>
               <a:t>Fourth level</a:t>
             </a:r>
           </a:p>
           <a:p>
             <a:pPr lvl="4"/>
             <a:r>
-              <a:rPr lang="en-US" noProof="0" smtClean="0"/>
+              <a:rPr lang="en-US" noProof="0"/>
               <a:t>Fifth level</a:t>
             </a:r>
             <a:endParaRPr lang="en-CA" noProof="0"/>
@@ -650,7 +655,7 @@
           </a:lstStyle>
           <a:p>
             <a:r>
-              <a:rPr lang="en-US" smtClean="0"/>
+              <a:rPr lang="en-US"/>
               <a:t>Click to edit Master title style</a:t>
             </a:r>
             <a:endParaRPr lang="en-US" dirty="0"/>
@@ -746,7 +751,7 @@
           </a:lstStyle>
           <a:p>
             <a:r>
-              <a:rPr lang="en-US" smtClean="0"/>
+              <a:rPr lang="en-US"/>
               <a:t>Click to edit Master subtitle style</a:t>
             </a:r>
             <a:endParaRPr lang="en-US" dirty="0"/>
@@ -780,7 +785,7 @@
               <a:pPr>
                 <a:defRPr/>
               </a:pPr>
-              <a:t>10/20/2017</a:t>
+              <a:t>10/23/2017</a:t>
             </a:fld>
             <a:endParaRPr lang="en-US" dirty="0"/>
           </a:p>
@@ -959,7 +964,7 @@
           </a:lstStyle>
           <a:p>
             <a:r>
-              <a:rPr lang="en-US" smtClean="0"/>
+              <a:rPr lang="en-US"/>
               <a:t>Click to edit Master title style</a:t>
             </a:r>
             <a:endParaRPr lang="en-US" dirty="0"/>
@@ -1027,7 +1032,7 @@
           <a:p>
             <a:pPr lvl="0"/>
             <a:r>
-              <a:rPr lang="en-US" noProof="0" smtClean="0"/>
+              <a:rPr lang="en-US" noProof="0"/>
               <a:t>Click icon to add picture</a:t>
             </a:r>
             <a:endParaRPr lang="en-US" noProof="0" dirty="0"/>
@@ -1117,7 +1122,7 @@
           <a:p>
             <a:pPr lvl="0"/>
             <a:r>
-              <a:rPr lang="en-US" smtClean="0"/>
+              <a:rPr lang="en-US"/>
               <a:t>Click to edit Master text styles</a:t>
             </a:r>
           </a:p>
@@ -1150,7 +1155,7 @@
               <a:pPr>
                 <a:defRPr/>
               </a:pPr>
-              <a:t>10/20/2017</a:t>
+              <a:t>10/23/2017</a:t>
             </a:fld>
             <a:endParaRPr lang="en-US" dirty="0"/>
           </a:p>
@@ -1329,7 +1334,7 @@
           </a:lstStyle>
           <a:p>
             <a:r>
-              <a:rPr lang="en-US" smtClean="0"/>
+              <a:rPr lang="en-US"/>
               <a:t>Click to edit Master title style</a:t>
             </a:r>
             <a:endParaRPr lang="en-US" dirty="0"/>
@@ -1395,7 +1400,7 @@
           <a:p>
             <a:pPr lvl="0"/>
             <a:r>
-              <a:rPr lang="en-US" smtClean="0"/>
+              <a:rPr lang="en-US"/>
               <a:t>Click to edit Master text styles</a:t>
             </a:r>
           </a:p>
@@ -1428,7 +1433,7 @@
               <a:pPr>
                 <a:defRPr/>
               </a:pPr>
-              <a:t>10/20/2017</a:t>
+              <a:t>10/23/2017</a:t>
             </a:fld>
             <a:endParaRPr lang="en-US" dirty="0"/>
           </a:p>
@@ -1849,7 +1854,7 @@
           </a:lstStyle>
           <a:p>
             <a:r>
-              <a:rPr lang="en-US" smtClean="0"/>
+              <a:rPr lang="en-US"/>
               <a:t>Click to edit Master title style</a:t>
             </a:r>
             <a:endParaRPr lang="en-US" dirty="0"/>
@@ -1917,7 +1922,7 @@
           <a:p>
             <a:pPr lvl="0"/>
             <a:r>
-              <a:rPr lang="en-US" smtClean="0"/>
+              <a:rPr lang="en-US"/>
               <a:t>Click to edit Master text styles</a:t>
             </a:r>
           </a:p>
@@ -1984,7 +1989,7 @@
           <a:p>
             <a:pPr lvl="0"/>
             <a:r>
-              <a:rPr lang="en-US" smtClean="0"/>
+              <a:rPr lang="en-US"/>
               <a:t>Click to edit Master text styles</a:t>
             </a:r>
           </a:p>
@@ -2017,7 +2022,7 @@
               <a:pPr>
                 <a:defRPr/>
               </a:pPr>
-              <a:t>10/20/2017</a:t>
+              <a:t>10/23/2017</a:t>
             </a:fld>
             <a:endParaRPr lang="en-US" dirty="0"/>
           </a:p>
@@ -2198,7 +2203,7 @@
           </a:lstStyle>
           <a:p>
             <a:r>
-              <a:rPr lang="en-US" smtClean="0"/>
+              <a:rPr lang="en-US"/>
               <a:t>Click to edit Master title style</a:t>
             </a:r>
             <a:endParaRPr lang="en-US" dirty="0"/>
@@ -2264,7 +2269,7 @@
           <a:p>
             <a:pPr lvl="0"/>
             <a:r>
-              <a:rPr lang="en-US" smtClean="0"/>
+              <a:rPr lang="en-US"/>
               <a:t>Click to edit Master text styles</a:t>
             </a:r>
           </a:p>
@@ -2297,7 +2302,7 @@
               <a:pPr>
                 <a:defRPr/>
               </a:pPr>
-              <a:t>10/20/2017</a:t>
+              <a:t>10/23/2017</a:t>
             </a:fld>
             <a:endParaRPr lang="en-US" dirty="0"/>
           </a:p>
@@ -2472,7 +2477,7 @@
           <a:lstStyle/>
           <a:p>
             <a:r>
-              <a:rPr lang="en-US" smtClean="0"/>
+              <a:rPr lang="en-US"/>
               <a:t>Click to edit Master title style</a:t>
             </a:r>
             <a:endParaRPr lang="en-US" dirty="0"/>
@@ -2567,7 +2572,7 @@
           <a:p>
             <a:pPr lvl="0"/>
             <a:r>
-              <a:rPr lang="en-US" smtClean="0"/>
+              <a:rPr lang="en-US"/>
               <a:t>Click to edit Master text styles</a:t>
             </a:r>
           </a:p>
@@ -2634,7 +2639,7 @@
           <a:p>
             <a:pPr lvl="0"/>
             <a:r>
-              <a:rPr lang="en-US" smtClean="0"/>
+              <a:rPr lang="en-US"/>
               <a:t>Click to edit Master text styles</a:t>
             </a:r>
           </a:p>
@@ -2696,7 +2701,7 @@
           <a:p>
             <a:pPr lvl="0"/>
             <a:r>
-              <a:rPr lang="en-US" smtClean="0"/>
+              <a:rPr lang="en-US"/>
               <a:t>Click to edit Master text styles</a:t>
             </a:r>
           </a:p>
@@ -2763,7 +2768,7 @@
           <a:p>
             <a:pPr lvl="0"/>
             <a:r>
-              <a:rPr lang="en-US" smtClean="0"/>
+              <a:rPr lang="en-US"/>
               <a:t>Click to edit Master text styles</a:t>
             </a:r>
           </a:p>
@@ -2825,7 +2830,7 @@
           <a:p>
             <a:pPr lvl="0"/>
             <a:r>
-              <a:rPr lang="en-US" smtClean="0"/>
+              <a:rPr lang="en-US"/>
               <a:t>Click to edit Master text styles</a:t>
             </a:r>
           </a:p>
@@ -2892,7 +2897,7 @@
           <a:p>
             <a:pPr lvl="0"/>
             <a:r>
-              <a:rPr lang="en-US" smtClean="0"/>
+              <a:rPr lang="en-US"/>
               <a:t>Click to edit Master text styles</a:t>
             </a:r>
           </a:p>
@@ -2925,7 +2930,7 @@
               <a:pPr>
                 <a:defRPr/>
               </a:pPr>
-              <a:t>10/20/2017</a:t>
+              <a:t>10/23/2017</a:t>
             </a:fld>
             <a:endParaRPr lang="en-US" dirty="0"/>
           </a:p>
@@ -3100,7 +3105,7 @@
           <a:lstStyle/>
           <a:p>
             <a:r>
-              <a:rPr lang="en-US" smtClean="0"/>
+              <a:rPr lang="en-US"/>
               <a:t>Click to edit Master title style</a:t>
             </a:r>
             <a:endParaRPr lang="en-US" dirty="0"/>
@@ -3191,7 +3196,7 @@
           <a:p>
             <a:pPr lvl="0"/>
             <a:r>
-              <a:rPr lang="en-US" smtClean="0"/>
+              <a:rPr lang="en-US"/>
               <a:t>Click to edit Master text styles</a:t>
             </a:r>
           </a:p>
@@ -3270,7 +3275,7 @@
           <a:p>
             <a:pPr lvl="0"/>
             <a:r>
-              <a:rPr lang="en-US" noProof="0" smtClean="0"/>
+              <a:rPr lang="en-US" noProof="0"/>
               <a:t>Click icon to add picture</a:t>
             </a:r>
             <a:endParaRPr lang="en-US" noProof="0" dirty="0"/>
@@ -3338,7 +3343,7 @@
           <a:p>
             <a:pPr lvl="0"/>
             <a:r>
-              <a:rPr lang="en-US" smtClean="0"/>
+              <a:rPr lang="en-US"/>
               <a:t>Click to edit Master text styles</a:t>
             </a:r>
           </a:p>
@@ -3428,7 +3433,7 @@
           <a:p>
             <a:pPr lvl="0"/>
             <a:r>
-              <a:rPr lang="en-US" smtClean="0"/>
+              <a:rPr lang="en-US"/>
               <a:t>Click to edit Master text styles</a:t>
             </a:r>
           </a:p>
@@ -3507,7 +3512,7 @@
           <a:p>
             <a:pPr lvl="0"/>
             <a:r>
-              <a:rPr lang="en-US" noProof="0" smtClean="0"/>
+              <a:rPr lang="en-US" noProof="0"/>
               <a:t>Click icon to add picture</a:t>
             </a:r>
             <a:endParaRPr lang="en-US" noProof="0" dirty="0"/>
@@ -3575,7 +3580,7 @@
           <a:p>
             <a:pPr lvl="0"/>
             <a:r>
-              <a:rPr lang="en-US" smtClean="0"/>
+              <a:rPr lang="en-US"/>
               <a:t>Click to edit Master text styles</a:t>
             </a:r>
           </a:p>
@@ -3665,7 +3670,7 @@
           <a:p>
             <a:pPr lvl="0"/>
             <a:r>
-              <a:rPr lang="en-US" smtClean="0"/>
+              <a:rPr lang="en-US"/>
               <a:t>Click to edit Master text styles</a:t>
             </a:r>
           </a:p>
@@ -3744,7 +3749,7 @@
           <a:p>
             <a:pPr lvl="0"/>
             <a:r>
-              <a:rPr lang="en-US" noProof="0" smtClean="0"/>
+              <a:rPr lang="en-US" noProof="0"/>
               <a:t>Click icon to add picture</a:t>
             </a:r>
             <a:endParaRPr lang="en-US" noProof="0" dirty="0"/>
@@ -3812,7 +3817,7 @@
           <a:p>
             <a:pPr lvl="0"/>
             <a:r>
-              <a:rPr lang="en-US" smtClean="0"/>
+              <a:rPr lang="en-US"/>
               <a:t>Click to edit Master text styles</a:t>
             </a:r>
           </a:p>
@@ -3845,7 +3850,7 @@
               <a:pPr>
                 <a:defRPr/>
               </a:pPr>
-              <a:t>10/20/2017</a:t>
+              <a:t>10/23/2017</a:t>
             </a:fld>
             <a:endParaRPr lang="en-US" dirty="0"/>
           </a:p>
@@ -4015,7 +4020,7 @@
           <a:lstStyle/>
           <a:p>
             <a:r>
-              <a:rPr lang="en-US" smtClean="0"/>
+              <a:rPr lang="en-US"/>
               <a:t>Click to edit Master title style</a:t>
             </a:r>
             <a:endParaRPr lang="en-US" dirty="0"/>
@@ -4039,35 +4044,35 @@
           <a:p>
             <a:pPr lvl="0"/>
             <a:r>
-              <a:rPr lang="en-US" smtClean="0"/>
+              <a:rPr lang="en-US"/>
               <a:t>Click to edit Master text styles</a:t>
             </a:r>
           </a:p>
           <a:p>
             <a:pPr lvl="1"/>
             <a:r>
-              <a:rPr lang="en-US" smtClean="0"/>
+              <a:rPr lang="en-US"/>
               <a:t>Second level</a:t>
             </a:r>
           </a:p>
           <a:p>
             <a:pPr lvl="2"/>
             <a:r>
-              <a:rPr lang="en-US" smtClean="0"/>
+              <a:rPr lang="en-US"/>
               <a:t>Third level</a:t>
             </a:r>
           </a:p>
           <a:p>
             <a:pPr lvl="3"/>
             <a:r>
-              <a:rPr lang="en-US" smtClean="0"/>
+              <a:rPr lang="en-US"/>
               <a:t>Fourth level</a:t>
             </a:r>
           </a:p>
           <a:p>
             <a:pPr lvl="4"/>
             <a:r>
-              <a:rPr lang="en-US" smtClean="0"/>
+              <a:rPr lang="en-US"/>
               <a:t>Fifth level</a:t>
             </a:r>
             <a:endParaRPr lang="en-US" dirty="0"/>
@@ -4101,7 +4106,7 @@
               <a:pPr>
                 <a:defRPr/>
               </a:pPr>
-              <a:t>10/20/2017</a:t>
+              <a:t>10/23/2017</a:t>
             </a:fld>
             <a:endParaRPr lang="en-US" dirty="0"/>
           </a:p>
@@ -4276,7 +4281,7 @@
           <a:lstStyle/>
           <a:p>
             <a:r>
-              <a:rPr lang="en-US" smtClean="0"/>
+              <a:rPr lang="en-US"/>
               <a:t>Click to edit Master title style</a:t>
             </a:r>
             <a:endParaRPr lang="en-US" dirty="0"/>
@@ -4305,35 +4310,35 @@
           <a:p>
             <a:pPr lvl="0"/>
             <a:r>
-              <a:rPr lang="en-US" smtClean="0"/>
+              <a:rPr lang="en-US"/>
               <a:t>Click to edit Master text styles</a:t>
             </a:r>
           </a:p>
           <a:p>
             <a:pPr lvl="1"/>
             <a:r>
-              <a:rPr lang="en-US" smtClean="0"/>
+              <a:rPr lang="en-US"/>
               <a:t>Second level</a:t>
             </a:r>
           </a:p>
           <a:p>
             <a:pPr lvl="2"/>
             <a:r>
-              <a:rPr lang="en-US" smtClean="0"/>
+              <a:rPr lang="en-US"/>
               <a:t>Third level</a:t>
             </a:r>
           </a:p>
           <a:p>
             <a:pPr lvl="3"/>
             <a:r>
-              <a:rPr lang="en-US" smtClean="0"/>
+              <a:rPr lang="en-US"/>
               <a:t>Fourth level</a:t>
             </a:r>
           </a:p>
           <a:p>
             <a:pPr lvl="4"/>
             <a:r>
-              <a:rPr lang="en-US" smtClean="0"/>
+              <a:rPr lang="en-US"/>
               <a:t>Fifth level</a:t>
             </a:r>
             <a:endParaRPr lang="en-US" dirty="0"/>
@@ -4367,7 +4372,7 @@
               <a:pPr>
                 <a:defRPr/>
               </a:pPr>
-              <a:t>10/20/2017</a:t>
+              <a:t>10/23/2017</a:t>
             </a:fld>
             <a:endParaRPr lang="en-US" dirty="0"/>
           </a:p>
@@ -4537,10 +4542,9 @@
           </a:lstStyle>
           <a:p>
             <a:r>
-              <a:rPr lang="en-US" dirty="0" smtClean="0"/>
+              <a:rPr lang="en-US" dirty="0"/>
               <a:t>Click to edit Master title style</a:t>
             </a:r>
-            <a:endParaRPr lang="en-US" dirty="0"/>
           </a:p>
         </p:txBody>
       </p:sp>
@@ -4568,38 +4572,37 @@
           <a:p>
             <a:pPr lvl="0"/>
             <a:r>
-              <a:rPr lang="en-US" dirty="0" smtClean="0"/>
+              <a:rPr lang="en-US" dirty="0"/>
               <a:t>Click to edit Master text styles</a:t>
             </a:r>
           </a:p>
           <a:p>
             <a:pPr lvl="1"/>
             <a:r>
-              <a:rPr lang="en-US" dirty="0" smtClean="0"/>
+              <a:rPr lang="en-US" dirty="0"/>
               <a:t>Second level</a:t>
             </a:r>
           </a:p>
           <a:p>
             <a:pPr lvl="2"/>
             <a:r>
-              <a:rPr lang="en-US" dirty="0" smtClean="0"/>
+              <a:rPr lang="en-US" dirty="0"/>
               <a:t>Third level</a:t>
             </a:r>
           </a:p>
           <a:p>
             <a:pPr lvl="3"/>
             <a:r>
-              <a:rPr lang="en-US" dirty="0" smtClean="0"/>
+              <a:rPr lang="en-US" dirty="0"/>
               <a:t>Fourth level</a:t>
             </a:r>
           </a:p>
           <a:p>
             <a:pPr lvl="4"/>
             <a:r>
-              <a:rPr lang="en-US" dirty="0" smtClean="0"/>
+              <a:rPr lang="en-US" dirty="0"/>
               <a:t>Fifth level</a:t>
             </a:r>
-            <a:endParaRPr lang="en-US" dirty="0"/>
           </a:p>
         </p:txBody>
       </p:sp>
@@ -4630,7 +4633,7 @@
               <a:pPr>
                 <a:defRPr/>
               </a:pPr>
-              <a:t>10/20/2017</a:t>
+              <a:t>10/23/2017</a:t>
             </a:fld>
             <a:endParaRPr lang="en-US" dirty="0"/>
           </a:p>
@@ -4779,7 +4782,7 @@
           </a:lstStyle>
           <a:p>
             <a:r>
-              <a:rPr lang="en-US" smtClean="0"/>
+              <a:rPr lang="en-US"/>
               <a:t>Click to edit Master title style</a:t>
             </a:r>
             <a:endParaRPr lang="en-US" dirty="0"/>
@@ -4875,7 +4878,7 @@
           </a:lstStyle>
           <a:p>
             <a:r>
-              <a:rPr lang="en-US" smtClean="0"/>
+              <a:rPr lang="en-US"/>
               <a:t>Click to edit Master subtitle style</a:t>
             </a:r>
             <a:endParaRPr lang="en-US" dirty="0"/>
@@ -4909,7 +4912,7 @@
               <a:pPr>
                 <a:defRPr/>
               </a:pPr>
-              <a:t>10/20/2017</a:t>
+              <a:t>10/23/2017</a:t>
             </a:fld>
             <a:endParaRPr lang="en-US" dirty="0"/>
           </a:p>
@@ -5015,7 +5018,7 @@
           <a:lstStyle/>
           <a:p>
             <a:r>
-              <a:rPr lang="en-US" smtClean="0"/>
+              <a:rPr lang="en-US"/>
               <a:t>Click to edit Master title style</a:t>
             </a:r>
             <a:endParaRPr lang="en-US" dirty="0"/>
@@ -5044,35 +5047,35 @@
           <a:p>
             <a:pPr lvl="0"/>
             <a:r>
-              <a:rPr lang="en-US" smtClean="0"/>
+              <a:rPr lang="en-US"/>
               <a:t>Click to edit Master text styles</a:t>
             </a:r>
           </a:p>
           <a:p>
             <a:pPr lvl="1"/>
             <a:r>
-              <a:rPr lang="en-US" smtClean="0"/>
+              <a:rPr lang="en-US"/>
               <a:t>Second level</a:t>
             </a:r>
           </a:p>
           <a:p>
             <a:pPr lvl="2"/>
             <a:r>
-              <a:rPr lang="en-US" smtClean="0"/>
+              <a:rPr lang="en-US"/>
               <a:t>Third level</a:t>
             </a:r>
           </a:p>
           <a:p>
             <a:pPr lvl="3"/>
             <a:r>
-              <a:rPr lang="en-US" smtClean="0"/>
+              <a:rPr lang="en-US"/>
               <a:t>Fourth level</a:t>
             </a:r>
           </a:p>
           <a:p>
             <a:pPr lvl="4"/>
             <a:r>
-              <a:rPr lang="en-US" smtClean="0"/>
+              <a:rPr lang="en-US"/>
               <a:t>Fifth level</a:t>
             </a:r>
             <a:endParaRPr lang="en-US" dirty="0"/>
@@ -5101,35 +5104,35 @@
           <a:p>
             <a:pPr lvl="0"/>
             <a:r>
-              <a:rPr lang="en-US" smtClean="0"/>
+              <a:rPr lang="en-US"/>
               <a:t>Click to edit Master text styles</a:t>
             </a:r>
           </a:p>
           <a:p>
             <a:pPr lvl="1"/>
             <a:r>
-              <a:rPr lang="en-US" smtClean="0"/>
+              <a:rPr lang="en-US"/>
               <a:t>Second level</a:t>
             </a:r>
           </a:p>
           <a:p>
             <a:pPr lvl="2"/>
             <a:r>
-              <a:rPr lang="en-US" smtClean="0"/>
+              <a:rPr lang="en-US"/>
               <a:t>Third level</a:t>
             </a:r>
           </a:p>
           <a:p>
             <a:pPr lvl="3"/>
             <a:r>
-              <a:rPr lang="en-US" smtClean="0"/>
+              <a:rPr lang="en-US"/>
               <a:t>Fourth level</a:t>
             </a:r>
           </a:p>
           <a:p>
             <a:pPr lvl="4"/>
             <a:r>
-              <a:rPr lang="en-US" smtClean="0"/>
+              <a:rPr lang="en-US"/>
               <a:t>Fifth level</a:t>
             </a:r>
             <a:endParaRPr lang="en-US" dirty="0"/>
@@ -5163,7 +5166,7 @@
               <a:pPr>
                 <a:defRPr/>
               </a:pPr>
-              <a:t>10/20/2017</a:t>
+              <a:t>10/23/2017</a:t>
             </a:fld>
             <a:endParaRPr lang="en-US" dirty="0"/>
           </a:p>
@@ -5274,7 +5277,7 @@
           <a:lstStyle/>
           <a:p>
             <a:r>
-              <a:rPr lang="en-US" smtClean="0"/>
+              <a:rPr lang="en-US"/>
               <a:t>Click to edit Master title style</a:t>
             </a:r>
             <a:endParaRPr lang="en-US" dirty="0"/>
@@ -5369,7 +5372,7 @@
           <a:p>
             <a:pPr lvl="0"/>
             <a:r>
-              <a:rPr lang="en-US" smtClean="0"/>
+              <a:rPr lang="en-US"/>
               <a:t>Click to edit Master text styles</a:t>
             </a:r>
           </a:p>
@@ -5397,35 +5400,35 @@
           <a:p>
             <a:pPr lvl="0"/>
             <a:r>
-              <a:rPr lang="en-US" smtClean="0"/>
+              <a:rPr lang="en-US"/>
               <a:t>Click to edit Master text styles</a:t>
             </a:r>
           </a:p>
           <a:p>
             <a:pPr lvl="1"/>
             <a:r>
-              <a:rPr lang="en-US" smtClean="0"/>
+              <a:rPr lang="en-US"/>
               <a:t>Second level</a:t>
             </a:r>
           </a:p>
           <a:p>
             <a:pPr lvl="2"/>
             <a:r>
-              <a:rPr lang="en-US" smtClean="0"/>
+              <a:rPr lang="en-US"/>
               <a:t>Third level</a:t>
             </a:r>
           </a:p>
           <a:p>
             <a:pPr lvl="3"/>
             <a:r>
-              <a:rPr lang="en-US" smtClean="0"/>
+              <a:rPr lang="en-US"/>
               <a:t>Fourth level</a:t>
             </a:r>
           </a:p>
           <a:p>
             <a:pPr lvl="4"/>
             <a:r>
-              <a:rPr lang="en-US" smtClean="0"/>
+              <a:rPr lang="en-US"/>
               <a:t>Fifth level</a:t>
             </a:r>
             <a:endParaRPr lang="en-US" dirty="0"/>
@@ -5488,7 +5491,7 @@
           <a:p>
             <a:pPr lvl="0"/>
             <a:r>
-              <a:rPr lang="en-US" smtClean="0"/>
+              <a:rPr lang="en-US"/>
               <a:t>Click to edit Master text styles</a:t>
             </a:r>
           </a:p>
@@ -5516,35 +5519,35 @@
           <a:p>
             <a:pPr lvl="0"/>
             <a:r>
-              <a:rPr lang="en-US" smtClean="0"/>
+              <a:rPr lang="en-US"/>
               <a:t>Click to edit Master text styles</a:t>
             </a:r>
           </a:p>
           <a:p>
             <a:pPr lvl="1"/>
             <a:r>
-              <a:rPr lang="en-US" smtClean="0"/>
+              <a:rPr lang="en-US"/>
               <a:t>Second level</a:t>
             </a:r>
           </a:p>
           <a:p>
             <a:pPr lvl="2"/>
             <a:r>
-              <a:rPr lang="en-US" smtClean="0"/>
+              <a:rPr lang="en-US"/>
               <a:t>Third level</a:t>
             </a:r>
           </a:p>
           <a:p>
             <a:pPr lvl="3"/>
             <a:r>
-              <a:rPr lang="en-US" smtClean="0"/>
+              <a:rPr lang="en-US"/>
               <a:t>Fourth level</a:t>
             </a:r>
           </a:p>
           <a:p>
             <a:pPr lvl="4"/>
             <a:r>
-              <a:rPr lang="en-US" smtClean="0"/>
+              <a:rPr lang="en-US"/>
               <a:t>Fifth level</a:t>
             </a:r>
             <a:endParaRPr lang="en-US" dirty="0"/>
@@ -5578,7 +5581,7 @@
               <a:pPr>
                 <a:defRPr/>
               </a:pPr>
-              <a:t>10/20/2017</a:t>
+              <a:t>10/23/2017</a:t>
             </a:fld>
             <a:endParaRPr lang="en-US" dirty="0"/>
           </a:p>
@@ -5684,7 +5687,7 @@
           <a:lstStyle/>
           <a:p>
             <a:r>
-              <a:rPr lang="en-US" smtClean="0"/>
+              <a:rPr lang="en-US"/>
               <a:t>Click to edit Master title style</a:t>
             </a:r>
             <a:endParaRPr lang="en-US" dirty="0"/>
@@ -5718,7 +5721,7 @@
               <a:pPr>
                 <a:defRPr/>
               </a:pPr>
-              <a:t>10/20/2017</a:t>
+              <a:t>10/23/2017</a:t>
             </a:fld>
             <a:endParaRPr lang="en-US" dirty="0"/>
           </a:p>
@@ -5835,7 +5838,7 @@
               <a:pPr>
                 <a:defRPr/>
               </a:pPr>
-              <a:t>10/20/2017</a:t>
+              <a:t>10/23/2017</a:t>
             </a:fld>
             <a:endParaRPr lang="en-US" dirty="0"/>
           </a:p>
@@ -5950,7 +5953,7 @@
           </a:lstStyle>
           <a:p>
             <a:r>
-              <a:rPr lang="en-US" smtClean="0"/>
+              <a:rPr lang="en-US"/>
               <a:t>Click to edit Master title style</a:t>
             </a:r>
             <a:endParaRPr lang="en-US" dirty="0"/>
@@ -5979,35 +5982,35 @@
           <a:p>
             <a:pPr lvl="0"/>
             <a:r>
-              <a:rPr lang="en-US" smtClean="0"/>
+              <a:rPr lang="en-US"/>
               <a:t>Click to edit Master text styles</a:t>
             </a:r>
           </a:p>
           <a:p>
             <a:pPr lvl="1"/>
             <a:r>
-              <a:rPr lang="en-US" smtClean="0"/>
+              <a:rPr lang="en-US"/>
               <a:t>Second level</a:t>
             </a:r>
           </a:p>
           <a:p>
             <a:pPr lvl="2"/>
             <a:r>
-              <a:rPr lang="en-US" smtClean="0"/>
+              <a:rPr lang="en-US"/>
               <a:t>Third level</a:t>
             </a:r>
           </a:p>
           <a:p>
             <a:pPr lvl="3"/>
             <a:r>
-              <a:rPr lang="en-US" smtClean="0"/>
+              <a:rPr lang="en-US"/>
               <a:t>Fourth level</a:t>
             </a:r>
           </a:p>
           <a:p>
             <a:pPr lvl="4"/>
             <a:r>
-              <a:rPr lang="en-US" smtClean="0"/>
+              <a:rPr lang="en-US"/>
               <a:t>Fifth level</a:t>
             </a:r>
             <a:endParaRPr lang="en-US" dirty="0"/>
@@ -6099,7 +6102,7 @@
           <a:p>
             <a:pPr lvl="0"/>
             <a:r>
-              <a:rPr lang="en-US" smtClean="0"/>
+              <a:rPr lang="en-US"/>
               <a:t>Click to edit Master text styles</a:t>
             </a:r>
           </a:p>
@@ -6132,7 +6135,7 @@
               <a:pPr>
                 <a:defRPr/>
               </a:pPr>
-              <a:t>10/20/2017</a:t>
+              <a:t>10/23/2017</a:t>
             </a:fld>
             <a:endParaRPr lang="en-US" dirty="0"/>
           </a:p>
@@ -6247,7 +6250,7 @@
           </a:lstStyle>
           <a:p>
             <a:r>
-              <a:rPr lang="en-US" smtClean="0"/>
+              <a:rPr lang="en-US"/>
               <a:t>Click to edit Master title style</a:t>
             </a:r>
             <a:endParaRPr lang="en-US" dirty="0"/>
@@ -6315,7 +6318,7 @@
           <a:p>
             <a:pPr lvl="0"/>
             <a:r>
-              <a:rPr lang="en-US" noProof="0" smtClean="0"/>
+              <a:rPr lang="en-US" noProof="0"/>
               <a:t>Click icon to add picture</a:t>
             </a:r>
             <a:endParaRPr lang="en-US" noProof="0" dirty="0"/>
@@ -6407,7 +6410,7 @@
           <a:p>
             <a:pPr lvl="0"/>
             <a:r>
-              <a:rPr lang="en-US" smtClean="0"/>
+              <a:rPr lang="en-US"/>
               <a:t>Click to edit Master text styles</a:t>
             </a:r>
           </a:p>
@@ -6440,7 +6443,7 @@
               <a:pPr>
                 <a:defRPr/>
               </a:pPr>
-              <a:t>10/20/2017</a:t>
+              <a:t>10/23/2017</a:t>
             </a:fld>
             <a:endParaRPr lang="en-US" dirty="0"/>
           </a:p>
@@ -6590,7 +6593,7 @@
           <a:p>
             <a:pPr lvl="0"/>
             <a:r>
-              <a:rPr lang="en-US" altLang="en-US" smtClean="0"/>
+              <a:rPr lang="en-US" altLang="en-US"/>
               <a:t>Click to edit Master title style</a:t>
             </a:r>
           </a:p>
@@ -6648,35 +6651,35 @@
           <a:p>
             <a:pPr lvl="0"/>
             <a:r>
-              <a:rPr lang="en-US" altLang="en-US" smtClean="0"/>
+              <a:rPr lang="en-US" altLang="en-US"/>
               <a:t>Click to edit Master text styles</a:t>
             </a:r>
           </a:p>
           <a:p>
             <a:pPr lvl="1"/>
             <a:r>
-              <a:rPr lang="en-US" altLang="en-US" smtClean="0"/>
+              <a:rPr lang="en-US" altLang="en-US"/>
               <a:t>Second level</a:t>
             </a:r>
           </a:p>
           <a:p>
             <a:pPr lvl="2"/>
             <a:r>
-              <a:rPr lang="en-US" altLang="en-US" smtClean="0"/>
+              <a:rPr lang="en-US" altLang="en-US"/>
               <a:t>Third level</a:t>
             </a:r>
           </a:p>
           <a:p>
             <a:pPr lvl="3"/>
             <a:r>
-              <a:rPr lang="en-US" altLang="en-US" smtClean="0"/>
+              <a:rPr lang="en-US" altLang="en-US"/>
               <a:t>Fourth level</a:t>
             </a:r>
           </a:p>
           <a:p>
             <a:pPr lvl="4"/>
             <a:r>
-              <a:rPr lang="en-US" altLang="en-US" smtClean="0"/>
+              <a:rPr lang="en-US" altLang="en-US"/>
               <a:t>Fifth level</a:t>
             </a:r>
           </a:p>
@@ -6749,7 +6752,7 @@
               <a:pPr>
                 <a:defRPr/>
               </a:pPr>
-              <a:t>10/20/2017</a:t>
+              <a:t>10/23/2017</a:t>
             </a:fld>
             <a:endParaRPr lang="en-US" dirty="0"/>
           </a:p>
@@ -7915,18 +7918,13 @@
               <a:buNone/>
             </a:pPr>
             <a:r>
-              <a:rPr lang="en-US" altLang="en-US" dirty="0" smtClean="0">
+              <a:rPr lang="en-US" altLang="en-US" dirty="0">
                 <a:solidFill>
                   <a:srgbClr val="FFC000"/>
                 </a:solidFill>
               </a:rPr>
               <a:t>Custom output control MPs</a:t>
             </a:r>
-            <a:endParaRPr lang="en-US" altLang="en-US" dirty="0">
-              <a:solidFill>
-                <a:srgbClr val="FFC000"/>
-              </a:solidFill>
-            </a:endParaRPr>
           </a:p>
         </p:txBody>
       </p:sp>
@@ -8144,15 +8142,15 @@
                   <a:srgbClr val="FFC000"/>
                 </a:solidFill>
               </a:rPr>
-              <a:t>Lecture </a:t>
-            </a:r>
-            <a:r>
-              <a:rPr lang="en-US" altLang="en-US" sz="1800" dirty="0" smtClean="0">
+              <a:t>Lecture 4b,  Nov 22</a:t>
+            </a:r>
+            <a:r>
+              <a:rPr lang="en-US" altLang="en-US" sz="1800" baseline="30000" dirty="0">
                 <a:solidFill>
                   <a:srgbClr val="FFC000"/>
                 </a:solidFill>
               </a:rPr>
-              <a:t>4b,  </a:t>
+              <a:t>nd</a:t>
             </a:r>
             <a:r>
               <a:rPr lang="en-US" altLang="en-US" sz="1800" dirty="0">
@@ -8160,39 +8158,7 @@
                   <a:srgbClr val="FFC000"/>
                 </a:solidFill>
               </a:rPr>
-              <a:t>Nov </a:t>
-            </a:r>
-            <a:r>
-              <a:rPr lang="en-US" altLang="en-US" sz="1800" dirty="0" smtClean="0">
-                <a:solidFill>
-                  <a:srgbClr val="FFC000"/>
-                </a:solidFill>
-              </a:rPr>
-              <a:t>22</a:t>
-            </a:r>
-            <a:r>
-              <a:rPr lang="en-US" altLang="en-US" sz="1800" baseline="30000" dirty="0" smtClean="0">
-                <a:solidFill>
-                  <a:srgbClr val="FFC000"/>
-                </a:solidFill>
-              </a:rPr>
-              <a:t>nd</a:t>
-            </a:r>
-            <a:r>
-              <a:rPr lang="en-US" altLang="en-US" sz="1800" dirty="0" smtClean="0">
-                <a:solidFill>
-                  <a:srgbClr val="FFC000"/>
-                </a:solidFill>
-              </a:rPr>
-              <a:t> </a:t>
-            </a:r>
-            <a:r>
-              <a:rPr lang="en-US" altLang="en-US" sz="1800" dirty="0">
-                <a:solidFill>
-                  <a:srgbClr val="FFC000"/>
-                </a:solidFill>
-              </a:rPr>
-              <a:t>2017</a:t>
+              <a:t> 2017</a:t>
             </a:r>
           </a:p>
         </p:txBody>
@@ -8453,7 +8419,7 @@
           <p:cNvPr id="4" name="Picture 3">
             <a:extLst>
               <a:ext uri="{FF2B5EF4-FFF2-40B4-BE49-F238E27FC236}">
-                <a16:creationId xmlns="" xmlns:a16="http://schemas.microsoft.com/office/drawing/2014/main" id="{C65DC03F-AEEF-4777-8132-3DBBB17CD723}"/>
+                <a16:creationId xmlns:a16="http://schemas.microsoft.com/office/drawing/2014/main" id="{C65DC03F-AEEF-4777-8132-3DBBB17CD723}"/>
               </a:ext>
             </a:extLst>
           </p:cNvPr>
@@ -8488,17 +8454,356 @@
   <p:clrMapOvr>
     <a:masterClrMapping/>
   </p:clrMapOvr>
-  <p:timing>
-    <p:tnLst>
-      <p:par>
-        <p:cTn id="1" dur="indefinite" restart="never" nodeType="tmRoot"/>
-      </p:par>
-    </p:tnLst>
-  </p:timing>
 </p:sld>
 </file>
 
 <file path=ppt/slides/slide10.xml><?xml version="1.0" encoding="utf-8"?>
+<p:sld xmlns:a="http://schemas.openxmlformats.org/drawingml/2006/main" xmlns:r="http://schemas.openxmlformats.org/officeDocument/2006/relationships" xmlns:p="http://schemas.openxmlformats.org/presentationml/2006/main" show="0">
+  <p:cSld>
+    <p:spTree>
+      <p:nvGrpSpPr>
+        <p:cNvPr id="1" name=""/>
+        <p:cNvGrpSpPr/>
+        <p:nvPr/>
+      </p:nvGrpSpPr>
+      <p:grpSpPr>
+        <a:xfrm>
+          <a:off x="0" y="0"/>
+          <a:ext cx="0" cy="0"/>
+          <a:chOff x="0" y="0"/>
+          <a:chExt cx="0" cy="0"/>
+        </a:xfrm>
+      </p:grpSpPr>
+      <p:sp>
+        <p:nvSpPr>
+          <p:cNvPr id="2" name="Title 1"/>
+          <p:cNvSpPr>
+            <a:spLocks noGrp="1"/>
+          </p:cNvSpPr>
+          <p:nvPr>
+            <p:ph type="title"/>
+          </p:nvPr>
+        </p:nvSpPr>
+        <p:spPr>
+          <a:xfrm>
+            <a:off x="611560" y="260649"/>
+            <a:ext cx="7886700" cy="1008112"/>
+          </a:xfrm>
+        </p:spPr>
+        <p:txBody>
+          <a:bodyPr/>
+          <a:lstStyle/>
+          <a:p>
+            <a:r>
+              <a:rPr lang="en-CA" dirty="0"/>
+              <a:t>Three things left to do:</a:t>
+            </a:r>
+          </a:p>
+        </p:txBody>
+      </p:sp>
+      <p:sp>
+        <p:nvSpPr>
+          <p:cNvPr id="3" name="Content Placeholder 2"/>
+          <p:cNvSpPr>
+            <a:spLocks noGrp="1"/>
+          </p:cNvSpPr>
+          <p:nvPr>
+            <p:ph idx="1"/>
+          </p:nvPr>
+        </p:nvSpPr>
+        <p:spPr>
+          <a:xfrm>
+            <a:off x="827584" y="1340768"/>
+            <a:ext cx="7675562" cy="4351338"/>
+          </a:xfrm>
+        </p:spPr>
+        <p:txBody>
+          <a:bodyPr/>
+          <a:lstStyle/>
+          <a:p>
+            <a:pPr marL="0" indent="0">
+              <a:buNone/>
+            </a:pPr>
+            <a:r>
+              <a:rPr lang="en-CA" dirty="0"/>
+              <a:t>- We have to assign the right class to our new MP:</a:t>
+            </a:r>
+          </a:p>
+          <a:p>
+            <a:pPr marL="0" indent="0">
+              <a:spcAft>
+                <a:spcPts val="1200"/>
+              </a:spcAft>
+              <a:buNone/>
+            </a:pPr>
+            <a:r>
+              <a:rPr lang="en-CA" b="1" dirty="0">
+                <a:solidFill>
+                  <a:srgbClr val="00B050"/>
+                </a:solidFill>
+              </a:rPr>
+              <a:t>  class(HAC) = “Output”</a:t>
+            </a:r>
+          </a:p>
+          <a:p>
+            <a:pPr marL="0" indent="0">
+              <a:buNone/>
+            </a:pPr>
+            <a:r>
+              <a:rPr lang="en-CA" dirty="0"/>
+              <a:t>- It has to be visible to DLMtool:</a:t>
+            </a:r>
+          </a:p>
+          <a:p>
+            <a:pPr marL="0" indent="0">
+              <a:spcAft>
+                <a:spcPts val="1200"/>
+              </a:spcAft>
+              <a:buNone/>
+            </a:pPr>
+            <a:r>
+              <a:rPr lang="en-CA" b="1" dirty="0">
+                <a:solidFill>
+                  <a:srgbClr val="00B050"/>
+                </a:solidFill>
+              </a:rPr>
+              <a:t>  environment(HAC) = </a:t>
+            </a:r>
+            <a:r>
+              <a:rPr lang="en-CA" b="1" dirty="0" err="1">
+                <a:solidFill>
+                  <a:srgbClr val="00B050"/>
+                </a:solidFill>
+              </a:rPr>
+              <a:t>asNamespace</a:t>
+            </a:r>
+            <a:r>
+              <a:rPr lang="en-CA" b="1" dirty="0">
+                <a:solidFill>
+                  <a:srgbClr val="00B050"/>
+                </a:solidFill>
+              </a:rPr>
+              <a:t>(“DLMtool”)</a:t>
+            </a:r>
+          </a:p>
+          <a:p>
+            <a:pPr marL="0" indent="0">
+              <a:buNone/>
+            </a:pPr>
+            <a:r>
+              <a:rPr lang="en-CA" dirty="0"/>
+              <a:t>- And it should be compatible with parallel processing:</a:t>
+            </a:r>
+          </a:p>
+          <a:p>
+            <a:pPr marL="0" indent="0">
+              <a:spcAft>
+                <a:spcPts val="1200"/>
+              </a:spcAft>
+              <a:buNone/>
+            </a:pPr>
+            <a:r>
+              <a:rPr lang="en-CA" b="1" dirty="0">
+                <a:solidFill>
+                  <a:srgbClr val="00B050"/>
+                </a:solidFill>
+              </a:rPr>
+              <a:t>  </a:t>
+            </a:r>
+            <a:r>
+              <a:rPr lang="en-CA" b="1" dirty="0" err="1">
+                <a:solidFill>
+                  <a:srgbClr val="00B050"/>
+                </a:solidFill>
+              </a:rPr>
+              <a:t>sfExport</a:t>
+            </a:r>
+            <a:r>
+              <a:rPr lang="en-CA" b="1" dirty="0">
+                <a:solidFill>
+                  <a:srgbClr val="00B050"/>
+                </a:solidFill>
+              </a:rPr>
+              <a:t>(“HAC”)</a:t>
+            </a:r>
+          </a:p>
+        </p:txBody>
+      </p:sp>
+      <p:sp>
+        <p:nvSpPr>
+          <p:cNvPr id="5" name="TextBox 4"/>
+          <p:cNvSpPr txBox="1"/>
+          <p:nvPr/>
+        </p:nvSpPr>
+        <p:spPr>
+          <a:xfrm>
+            <a:off x="774254" y="4725144"/>
+            <a:ext cx="6912768" cy="1200329"/>
+          </a:xfrm>
+          <a:prstGeom prst="rect">
+            <a:avLst/>
+          </a:prstGeom>
+          <a:noFill/>
+        </p:spPr>
+        <p:txBody>
+          <a:bodyPr wrap="square" rtlCol="0">
+            <a:spAutoFit/>
+          </a:bodyPr>
+          <a:lstStyle/>
+          <a:p>
+            <a:r>
+              <a:rPr lang="en-CA" sz="2400" dirty="0">
+                <a:solidFill>
+                  <a:srgbClr val="126D96"/>
+                </a:solidFill>
+              </a:rPr>
+              <a:t>Now HAC will be detected by </a:t>
+            </a:r>
+            <a:r>
+              <a:rPr lang="en-CA" sz="2400" b="1" dirty="0">
+                <a:solidFill>
+                  <a:srgbClr val="00B050"/>
+                </a:solidFill>
+              </a:rPr>
+              <a:t>Can()</a:t>
+            </a:r>
+            <a:r>
+              <a:rPr lang="en-CA" sz="2400" dirty="0">
+                <a:solidFill>
+                  <a:srgbClr val="126D96"/>
+                </a:solidFill>
+              </a:rPr>
+              <a:t>,</a:t>
+            </a:r>
+            <a:r>
+              <a:rPr lang="en-CA" sz="2400" dirty="0">
+                <a:solidFill>
+                  <a:srgbClr val="00B050"/>
+                </a:solidFill>
+              </a:rPr>
+              <a:t> </a:t>
+            </a:r>
+            <a:r>
+              <a:rPr lang="en-CA" sz="2400" b="1" dirty="0">
+                <a:solidFill>
+                  <a:srgbClr val="00B050"/>
+                </a:solidFill>
+              </a:rPr>
+              <a:t>Cant()</a:t>
+            </a:r>
+            <a:r>
+              <a:rPr lang="en-CA" sz="2400" dirty="0">
+                <a:solidFill>
+                  <a:srgbClr val="126D96"/>
+                </a:solidFill>
+              </a:rPr>
+              <a:t>,</a:t>
+            </a:r>
+            <a:r>
+              <a:rPr lang="en-CA" sz="2400" dirty="0">
+                <a:solidFill>
+                  <a:srgbClr val="00B050"/>
+                </a:solidFill>
+              </a:rPr>
+              <a:t> </a:t>
+            </a:r>
+            <a:r>
+              <a:rPr lang="en-CA" sz="2400" b="1" dirty="0">
+                <a:solidFill>
+                  <a:srgbClr val="00B050"/>
+                </a:solidFill>
+              </a:rPr>
+              <a:t>Needed()</a:t>
+            </a:r>
+            <a:r>
+              <a:rPr lang="en-CA" sz="2400" dirty="0">
+                <a:solidFill>
+                  <a:srgbClr val="00B050"/>
+                </a:solidFill>
+              </a:rPr>
+              <a:t> </a:t>
+            </a:r>
+            <a:r>
+              <a:rPr lang="en-CA" sz="2400" dirty="0">
+                <a:solidFill>
+                  <a:srgbClr val="126D96"/>
+                </a:solidFill>
+              </a:rPr>
+              <a:t>and can be used to both set TACs with real data using </a:t>
+            </a:r>
+            <a:r>
+              <a:rPr lang="en-CA" sz="2400" b="1" dirty="0">
+                <a:solidFill>
+                  <a:srgbClr val="00B050"/>
+                </a:solidFill>
+              </a:rPr>
+              <a:t>TAC()</a:t>
+            </a:r>
+            <a:r>
+              <a:rPr lang="en-CA" sz="2400" dirty="0">
+                <a:solidFill>
+                  <a:srgbClr val="00B050"/>
+                </a:solidFill>
+              </a:rPr>
+              <a:t> </a:t>
+            </a:r>
+            <a:r>
+              <a:rPr lang="en-CA" sz="2400" dirty="0">
+                <a:solidFill>
+                  <a:srgbClr val="126D96"/>
+                </a:solidFill>
+              </a:rPr>
+              <a:t>and </a:t>
+            </a:r>
+            <a:r>
+              <a:rPr lang="en-CA" sz="2400" b="1" dirty="0">
+                <a:solidFill>
+                  <a:srgbClr val="00B050"/>
+                </a:solidFill>
+              </a:rPr>
+              <a:t>Sense()</a:t>
+            </a:r>
+            <a:r>
+              <a:rPr lang="en-CA" sz="2400" dirty="0">
+                <a:solidFill>
+                  <a:srgbClr val="126D96"/>
+                </a:solidFill>
+              </a:rPr>
+              <a:t> and also be tested in </a:t>
+            </a:r>
+            <a:r>
+              <a:rPr lang="en-CA" sz="2400" b="1" dirty="0">
+                <a:solidFill>
+                  <a:srgbClr val="00B050"/>
+                </a:solidFill>
+              </a:rPr>
+              <a:t>runMSE()</a:t>
+            </a:r>
+            <a:r>
+              <a:rPr lang="en-CA" sz="2400" dirty="0">
+                <a:solidFill>
+                  <a:srgbClr val="126D96"/>
+                </a:solidFill>
+              </a:rPr>
+              <a:t>.</a:t>
+            </a:r>
+          </a:p>
+        </p:txBody>
+      </p:sp>
+    </p:spTree>
+    <p:extLst>
+      <p:ext uri="{BB962C8B-B14F-4D97-AF65-F5344CB8AC3E}">
+        <p14:creationId xmlns:p14="http://schemas.microsoft.com/office/powerpoint/2010/main" val="1964266788"/>
+      </p:ext>
+    </p:extLst>
+  </p:cSld>
+  <p:clrMapOvr>
+    <a:masterClrMapping/>
+  </p:clrMapOvr>
+</p:sld>
+</file>
+
+<file path=ppt/slides/slide11.xml><?xml version="1.0" encoding="utf-8"?>
 <p:sld xmlns:a="http://schemas.openxmlformats.org/drawingml/2006/main" xmlns:r="http://schemas.openxmlformats.org/officeDocument/2006/relationships" xmlns:p="http://schemas.openxmlformats.org/presentationml/2006/main">
   <p:cSld>
     <p:spTree>
@@ -8822,222 +9127,6 @@
 </p:sld>
 </file>
 
-<file path=ppt/slides/slide11.xml><?xml version="1.0" encoding="utf-8"?>
-<p:sld xmlns:a="http://schemas.openxmlformats.org/drawingml/2006/main" xmlns:r="http://schemas.openxmlformats.org/officeDocument/2006/relationships" xmlns:p="http://schemas.openxmlformats.org/presentationml/2006/main">
-  <p:cSld>
-    <p:spTree>
-      <p:nvGrpSpPr>
-        <p:cNvPr id="1" name=""/>
-        <p:cNvGrpSpPr/>
-        <p:nvPr/>
-      </p:nvGrpSpPr>
-      <p:grpSpPr>
-        <a:xfrm>
-          <a:off x="0" y="0"/>
-          <a:ext cx="0" cy="0"/>
-          <a:chOff x="0" y="0"/>
-          <a:chExt cx="0" cy="0"/>
-        </a:xfrm>
-      </p:grpSpPr>
-      <p:sp>
-        <p:nvSpPr>
-          <p:cNvPr id="2" name="Title 1"/>
-          <p:cNvSpPr>
-            <a:spLocks noGrp="1"/>
-          </p:cNvSpPr>
-          <p:nvPr>
-            <p:ph type="title"/>
-          </p:nvPr>
-        </p:nvSpPr>
-        <p:spPr>
-          <a:xfrm>
-            <a:off x="611560" y="260648"/>
-            <a:ext cx="7886700" cy="903635"/>
-          </a:xfrm>
-        </p:spPr>
-        <p:txBody>
-          <a:bodyPr/>
-          <a:lstStyle/>
-          <a:p>
-            <a:r>
-              <a:rPr lang="en-CA" dirty="0" smtClean="0"/>
-              <a:t>Tips for MP design</a:t>
-            </a:r>
-            <a:endParaRPr lang="en-CA" dirty="0"/>
-          </a:p>
-        </p:txBody>
-      </p:sp>
-      <p:sp>
-        <p:nvSpPr>
-          <p:cNvPr id="3" name="Content Placeholder 2"/>
-          <p:cNvSpPr>
-            <a:spLocks noGrp="1"/>
-          </p:cNvSpPr>
-          <p:nvPr>
-            <p:ph idx="1"/>
-          </p:nvPr>
-        </p:nvSpPr>
-        <p:spPr>
-          <a:xfrm>
-            <a:off x="827584" y="1196752"/>
-            <a:ext cx="6984776" cy="4896544"/>
-          </a:xfrm>
-        </p:spPr>
-        <p:txBody>
-          <a:bodyPr/>
-          <a:lstStyle/>
-          <a:p>
-            <a:pPr marL="0" indent="0">
-              <a:spcAft>
-                <a:spcPts val="900"/>
-              </a:spcAft>
-              <a:buNone/>
-            </a:pPr>
-            <a:r>
-              <a:rPr lang="en-CA" b="1" dirty="0" smtClean="0"/>
-              <a:t>Make them robust. </a:t>
-            </a:r>
-            <a:r>
-              <a:rPr lang="en-CA" dirty="0" smtClean="0"/>
-              <a:t>For example, make sure they do not return NA values</a:t>
-            </a:r>
-          </a:p>
-          <a:p>
-            <a:pPr marL="0" indent="0">
-              <a:spcAft>
-                <a:spcPts val="900"/>
-              </a:spcAft>
-              <a:buNone/>
-            </a:pPr>
-            <a:r>
-              <a:rPr lang="en-CA" b="1" dirty="0" smtClean="0"/>
-              <a:t>Make them fast. </a:t>
-            </a:r>
-            <a:r>
-              <a:rPr lang="en-CA" dirty="0" smtClean="0"/>
-              <a:t>I.e. less than 1-2 seconds per run of the MP</a:t>
-            </a:r>
-          </a:p>
-          <a:p>
-            <a:pPr marL="0" indent="0">
-              <a:spcAft>
-                <a:spcPts val="900"/>
-              </a:spcAft>
-              <a:buNone/>
-            </a:pPr>
-            <a:r>
-              <a:rPr lang="en-CA" b="1" dirty="0" smtClean="0"/>
-              <a:t>Make them specific</a:t>
-            </a:r>
-            <a:r>
-              <a:rPr lang="en-CA" dirty="0" smtClean="0"/>
-              <a:t>. We already have complex frameworks where lots of data are available, MPs can occupy a niche (e.g. a life-history type and data type)</a:t>
-            </a:r>
-          </a:p>
-          <a:p>
-            <a:pPr marL="0" indent="0">
-              <a:spcAft>
-                <a:spcPts val="900"/>
-              </a:spcAft>
-              <a:buNone/>
-            </a:pPr>
-            <a:r>
-              <a:rPr lang="en-CA" b="1" dirty="0" smtClean="0"/>
-              <a:t>Allow them to have tunable parameters </a:t>
-            </a:r>
-            <a:r>
-              <a:rPr lang="en-CA" dirty="0" smtClean="0"/>
-              <a:t>(e.g. speed of change, duration for smoothing data </a:t>
-            </a:r>
-            <a:r>
-              <a:rPr lang="en-CA" dirty="0" err="1" smtClean="0"/>
-              <a:t>etc</a:t>
-            </a:r>
-            <a:r>
-              <a:rPr lang="en-CA" dirty="0" smtClean="0"/>
-              <a:t>) so others can adapt them </a:t>
-            </a:r>
-          </a:p>
-          <a:p>
-            <a:pPr marL="0" indent="0">
-              <a:spcAft>
-                <a:spcPts val="900"/>
-              </a:spcAft>
-              <a:buNone/>
-            </a:pPr>
-            <a:r>
-              <a:rPr lang="en-CA" b="1" dirty="0" smtClean="0"/>
-              <a:t>Document them</a:t>
-            </a:r>
-            <a:r>
-              <a:rPr lang="en-CA" dirty="0" smtClean="0"/>
-              <a:t> </a:t>
-            </a:r>
-          </a:p>
-          <a:p>
-            <a:pPr marL="0" indent="0">
-              <a:spcAft>
-                <a:spcPts val="900"/>
-              </a:spcAft>
-              <a:buNone/>
-            </a:pPr>
-            <a:r>
-              <a:rPr lang="en-CA" b="1" dirty="0" smtClean="0"/>
-              <a:t>Make them public.</a:t>
-            </a:r>
-            <a:endParaRPr lang="en-CA" b="1" dirty="0"/>
-          </a:p>
-          <a:p>
-            <a:pPr marL="0" indent="0">
-              <a:spcAft>
-                <a:spcPts val="900"/>
-              </a:spcAft>
-              <a:buNone/>
-            </a:pPr>
-            <a:endParaRPr lang="en-CA" dirty="0"/>
-          </a:p>
-          <a:p>
-            <a:pPr marL="0" indent="0">
-              <a:buNone/>
-            </a:pPr>
-            <a:endParaRPr lang="en-CA" b="1" dirty="0">
-              <a:solidFill>
-                <a:srgbClr val="00B050"/>
-              </a:solidFill>
-            </a:endParaRPr>
-          </a:p>
-          <a:p>
-            <a:pPr marL="0" indent="0">
-              <a:buNone/>
-            </a:pPr>
-            <a:endParaRPr lang="en-CA" dirty="0">
-              <a:solidFill>
-                <a:srgbClr val="00B050"/>
-              </a:solidFill>
-            </a:endParaRPr>
-          </a:p>
-        </p:txBody>
-      </p:sp>
-    </p:spTree>
-    <p:extLst>
-      <p:ext uri="{BB962C8B-B14F-4D97-AF65-F5344CB8AC3E}">
-        <p14:creationId xmlns:p14="http://schemas.microsoft.com/office/powerpoint/2010/main" val="3847089825"/>
-      </p:ext>
-    </p:extLst>
-  </p:cSld>
-  <p:clrMapOvr>
-    <a:masterClrMapping/>
-  </p:clrMapOvr>
-  <p:timing>
-    <p:tnLst>
-      <p:par>
-        <p:cTn id="1" dur="indefinite" restart="never" nodeType="tmRoot"/>
-      </p:par>
-    </p:tnLst>
-  </p:timing>
-</p:sld>
-</file>
-
 <file path=ppt/slides/slide12.xml><?xml version="1.0" encoding="utf-8"?>
 <p:sld xmlns:a="http://schemas.openxmlformats.org/drawingml/2006/main" xmlns:r="http://schemas.openxmlformats.org/officeDocument/2006/relationships" xmlns:p="http://schemas.openxmlformats.org/presentationml/2006/main">
   <p:cSld>
@@ -9067,6 +9156,213 @@
         </p:nvSpPr>
         <p:spPr>
           <a:xfrm>
+            <a:off x="611560" y="260648"/>
+            <a:ext cx="7886700" cy="903635"/>
+          </a:xfrm>
+        </p:spPr>
+        <p:txBody>
+          <a:bodyPr/>
+          <a:lstStyle/>
+          <a:p>
+            <a:r>
+              <a:rPr lang="en-CA" dirty="0"/>
+              <a:t>Tips for MP design</a:t>
+            </a:r>
+          </a:p>
+        </p:txBody>
+      </p:sp>
+      <p:sp>
+        <p:nvSpPr>
+          <p:cNvPr id="3" name="Content Placeholder 2"/>
+          <p:cNvSpPr>
+            <a:spLocks noGrp="1"/>
+          </p:cNvSpPr>
+          <p:nvPr>
+            <p:ph idx="1"/>
+          </p:nvPr>
+        </p:nvSpPr>
+        <p:spPr>
+          <a:xfrm>
+            <a:off x="827584" y="1196752"/>
+            <a:ext cx="6984776" cy="4896544"/>
+          </a:xfrm>
+        </p:spPr>
+        <p:txBody>
+          <a:bodyPr/>
+          <a:lstStyle/>
+          <a:p>
+            <a:pPr marL="0" indent="0">
+              <a:spcAft>
+                <a:spcPts val="900"/>
+              </a:spcAft>
+              <a:buNone/>
+            </a:pPr>
+            <a:r>
+              <a:rPr lang="en-CA" b="1" dirty="0"/>
+              <a:t>Make them robust. </a:t>
+            </a:r>
+            <a:r>
+              <a:rPr lang="en-CA" dirty="0"/>
+              <a:t>For example, make sure they do not return NA values</a:t>
+            </a:r>
+          </a:p>
+          <a:p>
+            <a:pPr marL="0" indent="0">
+              <a:spcAft>
+                <a:spcPts val="900"/>
+              </a:spcAft>
+              <a:buNone/>
+            </a:pPr>
+            <a:r>
+              <a:rPr lang="en-CA" b="1" dirty="0"/>
+              <a:t>Make them fast. </a:t>
+            </a:r>
+            <a:r>
+              <a:rPr lang="en-CA" dirty="0"/>
+              <a:t>I.e. less than 1-2 seconds per run of the MP</a:t>
+            </a:r>
+          </a:p>
+          <a:p>
+            <a:pPr marL="0" indent="0">
+              <a:spcAft>
+                <a:spcPts val="900"/>
+              </a:spcAft>
+              <a:buNone/>
+            </a:pPr>
+            <a:r>
+              <a:rPr lang="en-CA" b="1" dirty="0"/>
+              <a:t>Make them specific</a:t>
+            </a:r>
+            <a:r>
+              <a:rPr lang="en-CA" dirty="0"/>
+              <a:t>. We already have complex frameworks where lots of data are available, MPs can occupy a niche (e.g. a life-history type and data type)</a:t>
+            </a:r>
+          </a:p>
+          <a:p>
+            <a:pPr marL="0" indent="0">
+              <a:spcAft>
+                <a:spcPts val="900"/>
+              </a:spcAft>
+              <a:buNone/>
+            </a:pPr>
+            <a:r>
+              <a:rPr lang="en-CA" b="1" dirty="0"/>
+              <a:t>Allow them to have tunable parameters </a:t>
+            </a:r>
+            <a:r>
+              <a:rPr lang="en-CA" dirty="0"/>
+              <a:t>(e.g. speed of change, duration for smoothing data </a:t>
+            </a:r>
+            <a:r>
+              <a:rPr lang="en-CA" dirty="0" err="1"/>
+              <a:t>etc</a:t>
+            </a:r>
+            <a:r>
+              <a:rPr lang="en-CA" dirty="0"/>
+              <a:t>) so others can adapt them </a:t>
+            </a:r>
+          </a:p>
+          <a:p>
+            <a:pPr marL="0" indent="0">
+              <a:spcAft>
+                <a:spcPts val="900"/>
+              </a:spcAft>
+              <a:buNone/>
+            </a:pPr>
+            <a:r>
+              <a:rPr lang="en-CA" b="1" dirty="0"/>
+              <a:t>Document them</a:t>
+            </a:r>
+            <a:r>
+              <a:rPr lang="en-CA" dirty="0"/>
+              <a:t> </a:t>
+            </a:r>
+          </a:p>
+          <a:p>
+            <a:pPr marL="0" indent="0">
+              <a:spcAft>
+                <a:spcPts val="900"/>
+              </a:spcAft>
+              <a:buNone/>
+            </a:pPr>
+            <a:r>
+              <a:rPr lang="en-CA" b="1" dirty="0"/>
+              <a:t>Make them public.</a:t>
+            </a:r>
+          </a:p>
+          <a:p>
+            <a:pPr marL="0" indent="0">
+              <a:spcAft>
+                <a:spcPts val="900"/>
+              </a:spcAft>
+              <a:buNone/>
+            </a:pPr>
+            <a:endParaRPr lang="en-CA" dirty="0"/>
+          </a:p>
+          <a:p>
+            <a:pPr marL="0" indent="0">
+              <a:buNone/>
+            </a:pPr>
+            <a:endParaRPr lang="en-CA" b="1" dirty="0">
+              <a:solidFill>
+                <a:srgbClr val="00B050"/>
+              </a:solidFill>
+            </a:endParaRPr>
+          </a:p>
+          <a:p>
+            <a:pPr marL="0" indent="0">
+              <a:buNone/>
+            </a:pPr>
+            <a:endParaRPr lang="en-CA" dirty="0">
+              <a:solidFill>
+                <a:srgbClr val="00B050"/>
+              </a:solidFill>
+            </a:endParaRPr>
+          </a:p>
+        </p:txBody>
+      </p:sp>
+    </p:spTree>
+    <p:extLst>
+      <p:ext uri="{BB962C8B-B14F-4D97-AF65-F5344CB8AC3E}">
+        <p14:creationId xmlns:p14="http://schemas.microsoft.com/office/powerpoint/2010/main" val="3847089825"/>
+      </p:ext>
+    </p:extLst>
+  </p:cSld>
+  <p:clrMapOvr>
+    <a:masterClrMapping/>
+  </p:clrMapOvr>
+</p:sld>
+</file>
+
+<file path=ppt/slides/slide13.xml><?xml version="1.0" encoding="utf-8"?>
+<p:sld xmlns:a="http://schemas.openxmlformats.org/drawingml/2006/main" xmlns:r="http://schemas.openxmlformats.org/officeDocument/2006/relationships" xmlns:p="http://schemas.openxmlformats.org/presentationml/2006/main">
+  <p:cSld>
+    <p:spTree>
+      <p:nvGrpSpPr>
+        <p:cNvPr id="1" name=""/>
+        <p:cNvGrpSpPr/>
+        <p:nvPr/>
+      </p:nvGrpSpPr>
+      <p:grpSpPr>
+        <a:xfrm>
+          <a:off x="0" y="0"/>
+          <a:ext cx="0" cy="0"/>
+          <a:chOff x="0" y="0"/>
+          <a:chExt cx="0" cy="0"/>
+        </a:xfrm>
+      </p:grpSpPr>
+      <p:sp>
+        <p:nvSpPr>
+          <p:cNvPr id="2" name="Title 1"/>
+          <p:cNvSpPr>
+            <a:spLocks noGrp="1"/>
+          </p:cNvSpPr>
+          <p:nvPr>
+            <p:ph type="title"/>
+          </p:nvPr>
+        </p:nvSpPr>
+        <p:spPr>
+          <a:xfrm>
             <a:off x="827584" y="980728"/>
             <a:ext cx="7886700" cy="1325563"/>
           </a:xfrm>
@@ -9076,10 +9372,9 @@
           <a:lstStyle/>
           <a:p>
             <a:r>
-              <a:rPr lang="en-CA" dirty="0" smtClean="0"/>
+              <a:rPr lang="en-CA" dirty="0"/>
               <a:t>Handy commands</a:t>
             </a:r>
-            <a:endParaRPr lang="en-CA" dirty="0"/>
           </a:p>
         </p:txBody>
       </p:sp>
@@ -9107,11 +9402,11 @@
               <a:buNone/>
             </a:pPr>
             <a:r>
-              <a:rPr lang="en-CA" sz="2600" dirty="0" smtClean="0"/>
+              <a:rPr lang="en-CA" sz="2600" dirty="0"/>
               <a:t>Available MPs: </a:t>
             </a:r>
             <a:r>
-              <a:rPr lang="en-CA" sz="2600" b="1" dirty="0" smtClean="0">
+              <a:rPr lang="en-CA" sz="2600" b="1" dirty="0">
                 <a:solidFill>
                   <a:srgbClr val="00B050"/>
                 </a:solidFill>
@@ -9124,11 +9419,11 @@
               <a:buNone/>
             </a:pPr>
             <a:r>
-              <a:rPr lang="en-CA" sz="2600" dirty="0" smtClean="0"/>
+              <a:rPr lang="en-CA" sz="2600" dirty="0"/>
               <a:t>R help: </a:t>
             </a:r>
             <a:r>
-              <a:rPr lang="en-CA" sz="2600" b="1" dirty="0" smtClean="0">
+              <a:rPr lang="en-CA" sz="2600" b="1" dirty="0">
                 <a:solidFill>
                   <a:srgbClr val="00B050"/>
                 </a:solidFill>
@@ -9141,22 +9436,17 @@
               <a:buNone/>
             </a:pPr>
             <a:r>
-              <a:rPr lang="en-CA" sz="2600" dirty="0" smtClean="0"/>
+              <a:rPr lang="en-CA" sz="2600" dirty="0"/>
               <a:t>The full code:        	</a:t>
             </a:r>
             <a:r>
-              <a:rPr lang="en-CA" sz="2600" b="1" dirty="0" smtClean="0">
+              <a:rPr lang="en-CA" sz="2600" b="1" dirty="0">
                 <a:solidFill>
                   <a:srgbClr val="00B050"/>
                 </a:solidFill>
               </a:rPr>
               <a:t>DCAC</a:t>
             </a:r>
-            <a:endParaRPr lang="en-CA" sz="2600" b="1" dirty="0">
-              <a:solidFill>
-                <a:srgbClr val="00B050"/>
-              </a:solidFill>
-            </a:endParaRPr>
           </a:p>
         </p:txBody>
       </p:sp>
@@ -9170,13 +9460,6 @@
   <p:clrMapOvr>
     <a:masterClrMapping/>
   </p:clrMapOvr>
-  <p:timing>
-    <p:tnLst>
-      <p:par>
-        <p:cTn id="1" dur="indefinite" restart="never" nodeType="tmRoot"/>
-      </p:par>
-    </p:tnLst>
-  </p:timing>
 </p:sld>
 </file>
 
@@ -9219,7 +9502,7 @@
           <a:p>
             <a:pPr eaLnBrk="1" hangingPunct="1"/>
             <a:r>
-              <a:rPr lang="en-CA" altLang="en-US" dirty="0" smtClean="0">
+              <a:rPr lang="en-CA" altLang="en-US" dirty="0">
                 <a:solidFill>
                   <a:srgbClr val="F6BB00"/>
                 </a:solidFill>
@@ -9257,7 +9540,7 @@
               <a:buAutoNum type="arabicPeriod"/>
             </a:pPr>
             <a:r>
-              <a:rPr lang="en-CA" altLang="en-US" sz="2800" dirty="0" smtClean="0">
+              <a:rPr lang="en-CA" altLang="en-US" sz="2800" dirty="0">
                 <a:solidFill>
                   <a:srgbClr val="27AFE5"/>
                 </a:solidFill>
@@ -9274,7 +9557,7 @@
               <a:buAutoNum type="arabicPeriod"/>
             </a:pPr>
             <a:r>
-              <a:rPr lang="en-CA" altLang="en-US" sz="2800" dirty="0" smtClean="0">
+              <a:rPr lang="en-CA" altLang="en-US" sz="2800" dirty="0">
                 <a:solidFill>
                   <a:srgbClr val="27AFE5"/>
                 </a:solidFill>
@@ -9291,7 +9574,7 @@
               <a:buAutoNum type="arabicPeriod"/>
             </a:pPr>
             <a:r>
-              <a:rPr lang="en-CA" altLang="en-US" sz="2800" dirty="0" smtClean="0">
+              <a:rPr lang="en-CA" altLang="en-US" sz="2800" dirty="0">
                 <a:solidFill>
                   <a:srgbClr val="27AFE5"/>
                 </a:solidFill>
@@ -9308,7 +9591,7 @@
               <a:buAutoNum type="arabicPeriod"/>
             </a:pPr>
             <a:r>
-              <a:rPr lang="en-CA" altLang="en-US" sz="2800" dirty="0" smtClean="0">
+              <a:rPr lang="en-CA" altLang="en-US" sz="2800" dirty="0">
                 <a:solidFill>
                   <a:srgbClr val="27AFE5"/>
                 </a:solidFill>
@@ -9323,13 +9606,6 @@
   <p:clrMapOvr>
     <a:masterClrMapping/>
   </p:clrMapOvr>
-  <p:timing>
-    <p:tnLst>
-      <p:par>
-        <p:cTn id="1" dur="indefinite" restart="never" nodeType="tmRoot"/>
-      </p:par>
-    </p:tnLst>
-  </p:timing>
 </p:sld>
 </file>
 
@@ -9366,10 +9642,9 @@
           <a:lstStyle/>
           <a:p>
             <a:r>
-              <a:rPr lang="en-CA" dirty="0" smtClean="0"/>
+              <a:rPr lang="en-CA" dirty="0"/>
               <a:t>The format of DLMtool simulated data</a:t>
             </a:r>
-            <a:endParaRPr lang="en-CA" dirty="0"/>
           </a:p>
         </p:txBody>
       </p:sp>
@@ -9392,7 +9667,7 @@
               <a:buNone/>
             </a:pPr>
             <a:r>
-              <a:rPr lang="en-CA" dirty="0" smtClean="0"/>
+              <a:rPr lang="en-CA" dirty="0"/>
               <a:t>Exactly the same as the real data! </a:t>
             </a:r>
           </a:p>
@@ -9401,7 +9676,7 @@
               <a:buNone/>
             </a:pPr>
             <a:r>
-              <a:rPr lang="en-CA" dirty="0" smtClean="0"/>
+              <a:rPr lang="en-CA" dirty="0"/>
               <a:t>However:</a:t>
             </a:r>
           </a:p>
@@ -9410,15 +9685,15 @@
               <a:buNone/>
             </a:pPr>
             <a:r>
-              <a:rPr lang="en-CA" dirty="0" smtClean="0"/>
+              <a:rPr lang="en-CA" dirty="0"/>
               <a:t>Parameters are now vectors </a:t>
             </a:r>
             <a:r>
-              <a:rPr lang="en-CA" dirty="0" err="1" smtClean="0"/>
+              <a:rPr lang="en-CA" dirty="0" err="1"/>
               <a:t>nsim</a:t>
             </a:r>
             <a:r>
-              <a:rPr lang="en-CA" dirty="0" smtClean="0"/>
+              <a:rPr lang="en-CA" dirty="0"/>
               <a:t> long</a:t>
             </a:r>
           </a:p>
@@ -9427,23 +9702,23 @@
               <a:buNone/>
             </a:pPr>
             <a:r>
-              <a:rPr lang="en-CA" dirty="0" smtClean="0"/>
+              <a:rPr lang="en-CA" dirty="0"/>
               <a:t>Time varying data (e.g. historical annual catches) are a matrix </a:t>
             </a:r>
             <a:r>
-              <a:rPr lang="en-CA" dirty="0" err="1" smtClean="0"/>
+              <a:rPr lang="en-CA" dirty="0" err="1"/>
               <a:t>nsim</a:t>
             </a:r>
             <a:r>
-              <a:rPr lang="en-CA" dirty="0" smtClean="0"/>
+              <a:rPr lang="en-CA" dirty="0"/>
               <a:t> rows by </a:t>
             </a:r>
             <a:r>
-              <a:rPr lang="en-CA" dirty="0" err="1" smtClean="0"/>
+              <a:rPr lang="en-CA" dirty="0" err="1"/>
               <a:t>nyears</a:t>
             </a:r>
             <a:r>
-              <a:rPr lang="en-CA" dirty="0" smtClean="0"/>
+              <a:rPr lang="en-CA" dirty="0"/>
               <a:t>.</a:t>
             </a:r>
           </a:p>
@@ -9465,13 +9740,6 @@
   <p:clrMapOvr>
     <a:masterClrMapping/>
   </p:clrMapOvr>
-  <p:timing>
-    <p:tnLst>
-      <p:par>
-        <p:cTn id="1" dur="indefinite" restart="never" nodeType="tmRoot"/>
-      </p:par>
-    </p:tnLst>
-  </p:timing>
 </p:sld>
 </file>
 
@@ -9569,7 +9837,7 @@
           <a:lstStyle/>
           <a:p>
             <a:r>
-              <a:rPr lang="en-CA" sz="1600" dirty="0" smtClean="0">
+              <a:rPr lang="en-CA" sz="1600" dirty="0">
                 <a:solidFill>
                   <a:srgbClr val="0070C0"/>
                 </a:solidFill>
@@ -9577,7 +9845,7 @@
               <a:t>Year 	         </a:t>
             </a:r>
             <a:r>
-              <a:rPr lang="en-CA" sz="1600" b="1" dirty="0" smtClean="0">
+              <a:rPr lang="en-CA" sz="1600" b="1" dirty="0">
                 <a:solidFill>
                   <a:srgbClr val="F6BB00"/>
                 </a:solidFill>
@@ -9594,7 +9862,7 @@
           </a:p>
           <a:p>
             <a:r>
-              <a:rPr lang="en-CA" sz="1600" dirty="0" smtClean="0">
+              <a:rPr lang="en-CA" sz="1600" dirty="0">
                 <a:solidFill>
                   <a:srgbClr val="0070C0"/>
                 </a:solidFill>
@@ -9602,68 +9870,13 @@
               <a:t>Catch  	          </a:t>
             </a:r>
             <a:r>
-              <a:rPr lang="en-CA" sz="1600" b="1" dirty="0" smtClean="0">
+              <a:rPr lang="en-CA" sz="1600" b="1" dirty="0">
                 <a:solidFill>
                   <a:srgbClr val="F6BB00"/>
                 </a:solidFill>
               </a:rPr>
               <a:t>by sim</a:t>
             </a:r>
-          </a:p>
-          <a:p>
-            <a:endParaRPr lang="en-CA" sz="1600" dirty="0" smtClean="0">
-              <a:solidFill>
-                <a:srgbClr val="0070C0"/>
-              </a:solidFill>
-            </a:endParaRPr>
-          </a:p>
-          <a:p>
-            <a:endParaRPr lang="en-CA" sz="1600" dirty="0" smtClean="0">
-              <a:solidFill>
-                <a:srgbClr val="0070C0"/>
-              </a:solidFill>
-            </a:endParaRPr>
-          </a:p>
-          <a:p>
-            <a:r>
-              <a:rPr lang="en-CA" sz="1600" dirty="0" smtClean="0">
-                <a:solidFill>
-                  <a:srgbClr val="0070C0"/>
-                </a:solidFill>
-              </a:rPr>
-              <a:t>Rel. </a:t>
-            </a:r>
-            <a:r>
-              <a:rPr lang="en-CA" sz="1600" dirty="0" err="1" smtClean="0">
-                <a:solidFill>
-                  <a:srgbClr val="0070C0"/>
-                </a:solidFill>
-              </a:rPr>
-              <a:t>Abun</a:t>
-            </a:r>
-            <a:r>
-              <a:rPr lang="en-CA" sz="1600" dirty="0" smtClean="0">
-                <a:solidFill>
-                  <a:srgbClr val="0070C0"/>
-                </a:solidFill>
-              </a:rPr>
-              <a:t> index  </a:t>
-            </a:r>
-            <a:r>
-              <a:rPr lang="en-CA" sz="1600" b="1" dirty="0" smtClean="0">
-                <a:solidFill>
-                  <a:srgbClr val="F6BB00"/>
-                </a:solidFill>
-              </a:rPr>
-              <a:t>by sim</a:t>
-            </a:r>
-          </a:p>
-          <a:p>
-            <a:endParaRPr lang="en-CA" sz="1600" dirty="0" smtClean="0">
-              <a:solidFill>
-                <a:srgbClr val="0070C0"/>
-              </a:solidFill>
-            </a:endParaRPr>
           </a:p>
           <a:p>
             <a:endParaRPr lang="en-CA" sz="1600" dirty="0">
@@ -9681,28 +9894,37 @@
           </a:p>
           <a:p>
             <a:r>
-              <a:rPr lang="en-CA" sz="1600" dirty="0" smtClean="0">
+              <a:rPr lang="en-CA" sz="1600" dirty="0">
                 <a:solidFill>
                   <a:srgbClr val="0070C0"/>
                 </a:solidFill>
               </a:rPr>
-              <a:t>Recruit. Index     </a:t>
-            </a:r>
-            <a:r>
-              <a:rPr lang="en-CA" sz="1600" b="1" dirty="0" smtClean="0">
+              <a:t>Rel. </a:t>
+            </a:r>
+            <a:r>
+              <a:rPr lang="en-CA" sz="1600" dirty="0" err="1">
+                <a:solidFill>
+                  <a:srgbClr val="0070C0"/>
+                </a:solidFill>
+              </a:rPr>
+              <a:t>Abun</a:t>
+            </a:r>
+            <a:r>
+              <a:rPr lang="en-CA" sz="1600" dirty="0">
+                <a:solidFill>
+                  <a:srgbClr val="0070C0"/>
+                </a:solidFill>
+              </a:rPr>
+              <a:t> index  </a:t>
+            </a:r>
+            <a:r>
+              <a:rPr lang="en-CA" sz="1600" b="1" dirty="0">
                 <a:solidFill>
                   <a:srgbClr val="F6BB00"/>
                 </a:solidFill>
               </a:rPr>
               <a:t>by sim</a:t>
             </a:r>
-          </a:p>
-          <a:p>
-            <a:endParaRPr lang="en-CA" sz="1600" dirty="0" smtClean="0">
-              <a:solidFill>
-                <a:srgbClr val="0070C0"/>
-              </a:solidFill>
-            </a:endParaRPr>
           </a:p>
           <a:p>
             <a:endParaRPr lang="en-CA" sz="1600" dirty="0">
@@ -9712,16 +9934,62 @@
             </a:endParaRPr>
           </a:p>
           <a:p>
-            <a:r>
-              <a:rPr lang="en-CA" sz="1600" dirty="0" smtClean="0">
+            <a:endParaRPr lang="en-CA" sz="1600" dirty="0">
+              <a:solidFill>
+                <a:srgbClr val="0070C0"/>
+              </a:solidFill>
+            </a:endParaRPr>
+          </a:p>
+          <a:p>
+            <a:endParaRPr lang="en-CA" sz="1600" dirty="0">
+              <a:solidFill>
+                <a:srgbClr val="0070C0"/>
+              </a:solidFill>
+            </a:endParaRPr>
+          </a:p>
+          <a:p>
+            <a:r>
+              <a:rPr lang="en-CA" sz="1600" dirty="0">
                 <a:solidFill>
                   <a:srgbClr val="0070C0"/>
                 </a:solidFill>
               </a:rPr>
+              <a:t>Recruit. Index     </a:t>
+            </a:r>
+            <a:r>
+              <a:rPr lang="en-CA" sz="1600" b="1" dirty="0">
+                <a:solidFill>
+                  <a:srgbClr val="F6BB00"/>
+                </a:solidFill>
+              </a:rPr>
+              <a:t>by sim</a:t>
+            </a:r>
+          </a:p>
+          <a:p>
+            <a:endParaRPr lang="en-CA" sz="1600" dirty="0">
+              <a:solidFill>
+                <a:srgbClr val="0070C0"/>
+              </a:solidFill>
+            </a:endParaRPr>
+          </a:p>
+          <a:p>
+            <a:endParaRPr lang="en-CA" sz="1600" dirty="0">
+              <a:solidFill>
+                <a:srgbClr val="0070C0"/>
+              </a:solidFill>
+            </a:endParaRPr>
+          </a:p>
+          <a:p>
+            <a:r>
+              <a:rPr lang="en-CA" sz="1600" dirty="0">
+                <a:solidFill>
+                  <a:srgbClr val="0070C0"/>
+                </a:solidFill>
+              </a:rPr>
               <a:t>Duration of </a:t>
             </a:r>
             <a:r>
-              <a:rPr lang="en-CA" sz="1600" dirty="0" err="1" smtClean="0">
+              <a:rPr lang="en-CA" sz="1600" dirty="0" err="1">
                 <a:solidFill>
                   <a:srgbClr val="0070C0"/>
                 </a:solidFill>
@@ -9729,7 +9997,7 @@
               <a:t>AvC</a:t>
             </a:r>
             <a:r>
-              <a:rPr lang="en-CA" sz="1600" dirty="0" smtClean="0">
+              <a:rPr lang="en-CA" sz="1600" dirty="0">
                 <a:solidFill>
                   <a:srgbClr val="0070C0"/>
                 </a:solidFill>
@@ -9737,7 +10005,7 @@
               <a:t>  </a:t>
             </a:r>
             <a:r>
-              <a:rPr lang="en-CA" sz="1600" b="1" dirty="0" smtClean="0">
+              <a:rPr lang="en-CA" sz="1600" b="1" dirty="0">
                 <a:solidFill>
                   <a:srgbClr val="F6BB00"/>
                 </a:solidFill>
@@ -9754,7 +10022,7 @@
           </a:p>
           <a:p>
             <a:r>
-              <a:rPr lang="en-CA" sz="1600" dirty="0" smtClean="0">
+              <a:rPr lang="en-CA" sz="1600" dirty="0">
                 <a:solidFill>
                   <a:srgbClr val="0070C0"/>
                 </a:solidFill>
@@ -9762,7 +10030,7 @@
               <a:t>Average Catch     </a:t>
             </a:r>
             <a:r>
-              <a:rPr lang="en-CA" sz="1600" b="1" dirty="0" smtClean="0">
+              <a:rPr lang="en-CA" sz="1600" b="1" dirty="0">
                 <a:solidFill>
                   <a:srgbClr val="F6BB00"/>
                 </a:solidFill>
@@ -9779,7 +10047,7 @@
           </a:p>
           <a:p>
             <a:r>
-              <a:rPr lang="en-CA" sz="1600" dirty="0" err="1" smtClean="0">
+              <a:rPr lang="en-CA" sz="1600" dirty="0" err="1">
                 <a:solidFill>
                   <a:srgbClr val="0070C0"/>
                 </a:solidFill>
@@ -9787,7 +10055,7 @@
               <a:t>Depln</a:t>
             </a:r>
             <a:r>
-              <a:rPr lang="en-CA" sz="1600" dirty="0" smtClean="0">
+              <a:rPr lang="en-CA" sz="1600" dirty="0">
                 <a:solidFill>
                   <a:srgbClr val="0070C0"/>
                 </a:solidFill>
@@ -9795,7 +10063,7 @@
               <a:t>. Over t       </a:t>
             </a:r>
             <a:r>
-              <a:rPr lang="en-CA" sz="1600" b="1" dirty="0" smtClean="0">
+              <a:rPr lang="en-CA" sz="1600" b="1" dirty="0">
                 <a:solidFill>
                   <a:srgbClr val="F6BB00"/>
                 </a:solidFill>
@@ -9812,7 +10080,7 @@
           </a:p>
           <a:p>
             <a:r>
-              <a:rPr lang="en-CA" sz="1600" dirty="0" smtClean="0">
+              <a:rPr lang="en-CA" sz="1600" dirty="0">
                 <a:solidFill>
                   <a:srgbClr val="0070C0"/>
                 </a:solidFill>
@@ -9820,7 +10088,7 @@
               <a:t>Natural Mortality </a:t>
             </a:r>
             <a:r>
-              <a:rPr lang="en-CA" sz="1600" b="1" dirty="0" smtClean="0">
+              <a:rPr lang="en-CA" sz="1600" b="1" dirty="0">
                 <a:solidFill>
                   <a:srgbClr val="F6BB00"/>
                 </a:solidFill>
@@ -9847,13 +10115,6 @@
   <p:clrMapOvr>
     <a:masterClrMapping/>
   </p:clrMapOvr>
-  <p:timing>
-    <p:tnLst>
-      <p:par>
-        <p:cTn id="1" dur="indefinite" restart="never" nodeType="tmRoot"/>
-      </p:par>
-    </p:tnLst>
-  </p:timing>
 </p:sld>
 </file>
 
@@ -9895,10 +10156,9 @@
           <a:lstStyle/>
           <a:p>
             <a:r>
-              <a:rPr lang="en-CA" dirty="0" smtClean="0"/>
+              <a:rPr lang="en-CA" dirty="0"/>
               <a:t>MP design</a:t>
             </a:r>
-            <a:endParaRPr lang="en-CA" dirty="0"/>
           </a:p>
         </p:txBody>
       </p:sp>
@@ -9929,7 +10189,7 @@
               <a:buNone/>
             </a:pPr>
             <a:r>
-              <a:rPr lang="en-CA" dirty="0" smtClean="0"/>
+              <a:rPr lang="en-CA" dirty="0"/>
               <a:t>All DLMtool output MPs are functions that look like this:</a:t>
             </a:r>
           </a:p>
@@ -9941,7 +10201,7 @@
               <a:buNone/>
             </a:pPr>
             <a:r>
-              <a:rPr lang="en-CA" dirty="0" err="1" smtClean="0">
+              <a:rPr lang="en-CA" dirty="0" err="1">
                 <a:solidFill>
                   <a:srgbClr val="00B050"/>
                 </a:solidFill>
@@ -9949,7 +10209,7 @@
               <a:t>myMP</a:t>
             </a:r>
             <a:r>
-              <a:rPr lang="en-CA" dirty="0" smtClean="0">
+              <a:rPr lang="en-CA" dirty="0">
                 <a:solidFill>
                   <a:srgbClr val="00B050"/>
                 </a:solidFill>
@@ -9965,7 +10225,7 @@
               <a:buNone/>
             </a:pPr>
             <a:r>
-              <a:rPr lang="en-CA" dirty="0" smtClean="0">
+              <a:rPr lang="en-CA" dirty="0">
                 <a:solidFill>
                   <a:srgbClr val="00B050"/>
                 </a:solidFill>
@@ -9981,18 +10241,13 @@
               <a:buNone/>
             </a:pPr>
             <a:r>
-              <a:rPr lang="en-CA" dirty="0" smtClean="0">
+              <a:rPr lang="en-CA" dirty="0">
                 <a:solidFill>
                   <a:srgbClr val="00B050"/>
                 </a:solidFill>
               </a:rPr>
               <a:t>       returns a TAC &gt;</a:t>
             </a:r>
-            <a:endParaRPr lang="en-CA" dirty="0">
-              <a:solidFill>
-                <a:srgbClr val="00B050"/>
-              </a:solidFill>
-            </a:endParaRPr>
           </a:p>
           <a:p>
             <a:pPr marL="0" indent="0">
@@ -10002,7 +10257,7 @@
               <a:buNone/>
             </a:pPr>
             <a:r>
-              <a:rPr lang="en-CA" dirty="0" smtClean="0">
+              <a:rPr lang="en-CA" dirty="0">
                 <a:solidFill>
                   <a:srgbClr val="00B050"/>
                 </a:solidFill>
@@ -10017,7 +10272,7 @@
               </a:lnSpc>
               <a:buNone/>
             </a:pPr>
-            <a:endParaRPr lang="en-CA" dirty="0" smtClean="0">
+            <a:endParaRPr lang="en-CA" dirty="0">
               <a:solidFill>
                 <a:srgbClr val="0070C0"/>
               </a:solidFill>
@@ -10031,7 +10286,7 @@
               <a:buNone/>
             </a:pPr>
             <a:r>
-              <a:rPr lang="en-CA" dirty="0" smtClean="0">
+              <a:rPr lang="en-CA" dirty="0">
                 <a:solidFill>
                   <a:srgbClr val="0070C0"/>
                 </a:solidFill>
@@ -10047,7 +10302,7 @@
               <a:buNone/>
             </a:pPr>
             <a:r>
-              <a:rPr lang="en-CA" dirty="0" smtClean="0">
+              <a:rPr lang="en-CA" dirty="0">
                 <a:solidFill>
                   <a:srgbClr val="00B050"/>
                 </a:solidFill>
@@ -10063,7 +10318,7 @@
               <a:buNone/>
             </a:pPr>
             <a:r>
-              <a:rPr lang="en-CA" dirty="0" smtClean="0">
+              <a:rPr lang="en-CA" dirty="0">
                 <a:solidFill>
                   <a:srgbClr val="00B050"/>
                 </a:solidFill>
@@ -10071,7 +10326,7 @@
               <a:t>    0.5*mean(</a:t>
             </a:r>
             <a:r>
-              <a:rPr lang="en-CA" dirty="0" err="1" smtClean="0">
+              <a:rPr lang="en-CA" dirty="0" err="1">
                 <a:solidFill>
                   <a:srgbClr val="00B050"/>
                 </a:solidFill>
@@ -10079,18 +10334,13 @@
               <a:t>Data@Cat</a:t>
             </a:r>
             <a:r>
-              <a:rPr lang="en-CA" dirty="0" smtClean="0">
+              <a:rPr lang="en-CA" dirty="0">
                 <a:solidFill>
                   <a:srgbClr val="00B050"/>
                 </a:solidFill>
               </a:rPr>
               <a:t>[x, ])</a:t>
             </a:r>
-            <a:endParaRPr lang="en-CA" dirty="0">
-              <a:solidFill>
-                <a:srgbClr val="00B050"/>
-              </a:solidFill>
-            </a:endParaRPr>
           </a:p>
           <a:p>
             <a:pPr marL="0" indent="0">
@@ -10100,18 +10350,13 @@
               <a:buNone/>
             </a:pPr>
             <a:r>
-              <a:rPr lang="en-CA" dirty="0" smtClean="0">
+              <a:rPr lang="en-CA" dirty="0">
                 <a:solidFill>
                   <a:srgbClr val="00B050"/>
                 </a:solidFill>
               </a:rPr>
               <a:t>}</a:t>
             </a:r>
-            <a:endParaRPr lang="en-CA" dirty="0">
-              <a:solidFill>
-                <a:srgbClr val="00B050"/>
-              </a:solidFill>
-            </a:endParaRPr>
           </a:p>
           <a:p>
             <a:pPr marL="0" indent="0">
@@ -10135,13 +10380,6 @@
   <p:clrMapOvr>
     <a:masterClrMapping/>
   </p:clrMapOvr>
-  <p:timing>
-    <p:tnLst>
-      <p:par>
-        <p:cTn id="1" dur="indefinite" restart="never" nodeType="tmRoot"/>
-      </p:par>
-    </p:tnLst>
-  </p:timing>
 </p:sld>
 </file>
 
@@ -10183,10 +10421,9 @@
           <a:lstStyle/>
           <a:p>
             <a:r>
-              <a:rPr lang="en-CA" dirty="0" smtClean="0"/>
+              <a:rPr lang="en-CA" dirty="0"/>
               <a:t>MP design 2</a:t>
             </a:r>
-            <a:endParaRPr lang="en-CA" dirty="0"/>
           </a:p>
         </p:txBody>
       </p:sp>
@@ -10217,7 +10454,7 @@
               <a:buNone/>
             </a:pPr>
             <a:r>
-              <a:rPr lang="en-CA" dirty="0" smtClean="0">
+              <a:rPr lang="en-CA" dirty="0">
                 <a:solidFill>
                   <a:srgbClr val="0070C0"/>
                 </a:solidFill>
@@ -10233,7 +10470,7 @@
               <a:buNone/>
             </a:pPr>
             <a:r>
-              <a:rPr lang="en-CA" dirty="0" smtClean="0">
+              <a:rPr lang="en-CA" dirty="0">
                 <a:solidFill>
                   <a:srgbClr val="00B050"/>
                 </a:solidFill>
@@ -10249,7 +10486,7 @@
               <a:buNone/>
             </a:pPr>
             <a:r>
-              <a:rPr lang="en-CA" dirty="0" smtClean="0">
+              <a:rPr lang="en-CA" dirty="0">
                 <a:solidFill>
                   <a:srgbClr val="00B050"/>
                 </a:solidFill>
@@ -10257,7 +10494,7 @@
               <a:t>    0.5*mean(</a:t>
             </a:r>
             <a:r>
-              <a:rPr lang="en-CA" dirty="0" err="1" smtClean="0">
+              <a:rPr lang="en-CA" dirty="0" err="1">
                 <a:solidFill>
                   <a:srgbClr val="00B050"/>
                 </a:solidFill>
@@ -10265,18 +10502,13 @@
               <a:t>Data@Cat</a:t>
             </a:r>
             <a:r>
-              <a:rPr lang="en-CA" dirty="0" smtClean="0">
+              <a:rPr lang="en-CA" dirty="0">
                 <a:solidFill>
                   <a:srgbClr val="00B050"/>
                 </a:solidFill>
               </a:rPr>
               <a:t>[x, ])</a:t>
             </a:r>
-            <a:endParaRPr lang="en-CA" dirty="0">
-              <a:solidFill>
-                <a:srgbClr val="00B050"/>
-              </a:solidFill>
-            </a:endParaRPr>
           </a:p>
           <a:p>
             <a:pPr marL="0" indent="0">
@@ -10286,18 +10518,13 @@
               <a:buNone/>
             </a:pPr>
             <a:r>
-              <a:rPr lang="en-CA" dirty="0" smtClean="0">
+              <a:rPr lang="en-CA" dirty="0">
                 <a:solidFill>
                   <a:srgbClr val="00B050"/>
                 </a:solidFill>
               </a:rPr>
               <a:t>}</a:t>
             </a:r>
-            <a:endParaRPr lang="en-CA" dirty="0">
-              <a:solidFill>
-                <a:srgbClr val="00B050"/>
-              </a:solidFill>
-            </a:endParaRPr>
           </a:p>
           <a:p>
             <a:pPr marL="0" indent="0">
@@ -10309,15 +10536,7 @@
                   <a:srgbClr val="0070C0"/>
                 </a:solidFill>
               </a:rPr>
-              <a:t>does not provide stochastic TAC </a:t>
-            </a:r>
-            <a:r>
-              <a:rPr lang="en-CA" dirty="0" smtClean="0">
-                <a:solidFill>
-                  <a:srgbClr val="0070C0"/>
-                </a:solidFill>
-              </a:rPr>
-              <a:t>recommendations. We could add uncertainty that is equal to the standard error:</a:t>
+              <a:t>does not provide stochastic TAC recommendations. We could add uncertainty that is equal to the standard error:</a:t>
             </a:r>
           </a:p>
           <a:p>
@@ -10328,20 +10547,12 @@
               <a:buNone/>
             </a:pPr>
             <a:r>
-              <a:rPr lang="en-CA" dirty="0" smtClean="0">
+              <a:rPr lang="en-CA" dirty="0">
                 <a:solidFill>
                   <a:srgbClr val="00B050"/>
                 </a:solidFill>
               </a:rPr>
-              <a:t>HAC </a:t>
-            </a:r>
-            <a:r>
-              <a:rPr lang="en-CA" dirty="0">
-                <a:solidFill>
-                  <a:srgbClr val="00B050"/>
-                </a:solidFill>
-              </a:rPr>
-              <a:t>= function(x, Data, reps){</a:t>
+              <a:t>HAC = function(x, Data, reps){</a:t>
             </a:r>
           </a:p>
           <a:p>
@@ -10360,7 +10571,7 @@
               <a:t>    </a:t>
             </a:r>
             <a:r>
-              <a:rPr lang="en-CA" dirty="0" err="1" smtClean="0">
+              <a:rPr lang="en-CA" dirty="0" err="1">
                 <a:solidFill>
                   <a:srgbClr val="00B050"/>
                 </a:solidFill>
@@ -10368,7 +10579,7 @@
               <a:t>muCat</a:t>
             </a:r>
             <a:r>
-              <a:rPr lang="en-CA" dirty="0" smtClean="0">
+              <a:rPr lang="en-CA" dirty="0">
                 <a:solidFill>
                   <a:srgbClr val="00B050"/>
                 </a:solidFill>
@@ -10376,7 +10587,7 @@
               <a:t> = 0.5*mean(</a:t>
             </a:r>
             <a:r>
-              <a:rPr lang="en-CA" dirty="0" err="1" smtClean="0">
+              <a:rPr lang="en-CA" dirty="0" err="1">
                 <a:solidFill>
                   <a:srgbClr val="00B050"/>
                 </a:solidFill>
@@ -10384,28 +10595,12 @@
               <a:t>Data@Cat</a:t>
             </a:r>
             <a:r>
-              <a:rPr lang="en-CA" dirty="0" smtClean="0">
+              <a:rPr lang="en-CA" dirty="0">
                 <a:solidFill>
                   <a:srgbClr val="00B050"/>
                 </a:solidFill>
               </a:rPr>
-              <a:t>[x</a:t>
-            </a:r>
-            <a:r>
-              <a:rPr lang="en-CA" dirty="0">
-                <a:solidFill>
-                  <a:srgbClr val="00B050"/>
-                </a:solidFill>
-              </a:rPr>
-              <a:t>, </a:t>
-            </a:r>
-            <a:r>
-              <a:rPr lang="en-CA" dirty="0" smtClean="0">
-                <a:solidFill>
-                  <a:srgbClr val="00B050"/>
-                </a:solidFill>
-              </a:rPr>
-              <a:t>])</a:t>
+              <a:t>[x, ])</a:t>
             </a:r>
           </a:p>
           <a:p>
@@ -10421,42 +10616,34 @@
                   <a:srgbClr val="00B050"/>
                 </a:solidFill>
               </a:rPr>
-              <a:t> </a:t>
-            </a:r>
-            <a:r>
-              <a:rPr lang="en-CA" dirty="0" smtClean="0">
+              <a:t>    </a:t>
+            </a:r>
+            <a:r>
+              <a:rPr lang="en-CA" dirty="0" err="1">
                 <a:solidFill>
                   <a:srgbClr val="00B050"/>
                 </a:solidFill>
               </a:rPr>
-              <a:t>   </a:t>
-            </a:r>
-            <a:r>
-              <a:rPr lang="en-CA" dirty="0" err="1" smtClean="0">
+              <a:t>nyears</a:t>
+            </a:r>
+            <a:r>
+              <a:rPr lang="en-CA" dirty="0">
                 <a:solidFill>
                   <a:srgbClr val="00B050"/>
                 </a:solidFill>
               </a:rPr>
-              <a:t>nyears</a:t>
-            </a:r>
-            <a:r>
-              <a:rPr lang="en-CA" dirty="0" smtClean="0">
+              <a:t> = length(</a:t>
+            </a:r>
+            <a:r>
+              <a:rPr lang="en-CA" dirty="0" err="1">
                 <a:solidFill>
                   <a:srgbClr val="00B050"/>
                 </a:solidFill>
               </a:rPr>
-              <a:t> = length(</a:t>
-            </a:r>
-            <a:r>
-              <a:rPr lang="en-CA" dirty="0" err="1" smtClean="0">
-                <a:solidFill>
-                  <a:srgbClr val="00B050"/>
-                </a:solidFill>
-              </a:rPr>
               <a:t>Data@Cat</a:t>
             </a:r>
             <a:r>
-              <a:rPr lang="en-CA" dirty="0" smtClean="0">
+              <a:rPr lang="en-CA" dirty="0">
                 <a:solidFill>
                   <a:srgbClr val="00B050"/>
                 </a:solidFill>
@@ -10477,23 +10664,31 @@
                   <a:srgbClr val="00B050"/>
                 </a:solidFill>
               </a:rPr>
-              <a:t> </a:t>
-            </a:r>
-            <a:r>
-              <a:rPr lang="en-CA" dirty="0" smtClean="0">
+              <a:t>    </a:t>
+            </a:r>
+            <a:r>
+              <a:rPr lang="en-CA" dirty="0" err="1">
                 <a:solidFill>
                   <a:srgbClr val="00B050"/>
                 </a:solidFill>
               </a:rPr>
-              <a:t>   </a:t>
-            </a:r>
-            <a:r>
-              <a:rPr lang="en-CA" dirty="0" err="1" smtClean="0">
+              <a:t>StErr</a:t>
+            </a:r>
+            <a:r>
+              <a:rPr lang="en-CA" dirty="0">
                 <a:solidFill>
                   <a:srgbClr val="00B050"/>
                 </a:solidFill>
               </a:rPr>
-              <a:t>StErr</a:t>
+              <a:t> = </a:t>
+            </a:r>
+            <a:r>
+              <a:rPr lang="en-CA" dirty="0" err="1">
+                <a:solidFill>
+                  <a:srgbClr val="00B050"/>
+                </a:solidFill>
+              </a:rPr>
+              <a:t>Data@CV_Cat</a:t>
             </a:r>
             <a:r>
               <a:rPr lang="en-CA" dirty="0">
@@ -10501,37 +10696,8 @@
                   <a:srgbClr val="00B050"/>
                 </a:solidFill>
               </a:rPr>
-              <a:t> </a:t>
-            </a:r>
-            <a:r>
-              <a:rPr lang="en-CA" dirty="0" smtClean="0">
-                <a:solidFill>
-                  <a:srgbClr val="00B050"/>
-                </a:solidFill>
-              </a:rPr>
-              <a:t>= </a:t>
-            </a:r>
-            <a:r>
-              <a:rPr lang="en-CA" dirty="0" err="1">
-                <a:solidFill>
-                  <a:srgbClr val="00B050"/>
-                </a:solidFill>
-              </a:rPr>
-              <a:t>Data@CV_Cat</a:t>
-            </a:r>
-            <a:r>
-              <a:rPr lang="en-CA" dirty="0">
-                <a:solidFill>
-                  <a:srgbClr val="00B050"/>
-                </a:solidFill>
-              </a:rPr>
               <a:t>[x] / nyears^0.5</a:t>
             </a:r>
-            <a:endParaRPr lang="en-CA" dirty="0" smtClean="0">
-              <a:solidFill>
-                <a:srgbClr val="00B050"/>
-              </a:solidFill>
-            </a:endParaRPr>
           </a:p>
           <a:p>
             <a:pPr marL="0" indent="0">
@@ -10546,69 +10712,56 @@
                   <a:srgbClr val="00B050"/>
                 </a:solidFill>
               </a:rPr>
-              <a:t> </a:t>
-            </a:r>
-            <a:r>
-              <a:rPr lang="en-CA" dirty="0" smtClean="0">
+              <a:t>    </a:t>
+            </a:r>
+            <a:r>
+              <a:rPr lang="en-CA" dirty="0" err="1">
                 <a:solidFill>
                   <a:srgbClr val="00B050"/>
                 </a:solidFill>
               </a:rPr>
-              <a:t>   </a:t>
-            </a:r>
-            <a:r>
-              <a:rPr lang="en-CA" dirty="0" err="1" smtClean="0">
+              <a:t>rnorm</a:t>
+            </a:r>
+            <a:r>
+              <a:rPr lang="en-CA" dirty="0">
                 <a:solidFill>
                   <a:srgbClr val="00B050"/>
                 </a:solidFill>
               </a:rPr>
-              <a:t>rnorm</a:t>
-            </a:r>
-            <a:r>
-              <a:rPr lang="en-CA" dirty="0" smtClean="0">
+              <a:t>(reps, </a:t>
+            </a:r>
+            <a:r>
+              <a:rPr lang="en-CA" dirty="0" err="1">
                 <a:solidFill>
                   <a:srgbClr val="00B050"/>
                 </a:solidFill>
               </a:rPr>
-              <a:t>(reps, </a:t>
-            </a:r>
-            <a:r>
-              <a:rPr lang="en-CA" dirty="0" err="1" smtClean="0">
+              <a:t>muCat</a:t>
+            </a:r>
+            <a:r>
+              <a:rPr lang="en-CA" dirty="0">
                 <a:solidFill>
                   <a:srgbClr val="00B050"/>
                 </a:solidFill>
               </a:rPr>
-              <a:t>muCat</a:t>
-            </a:r>
-            <a:r>
-              <a:rPr lang="en-CA" dirty="0" smtClean="0">
+              <a:t>, </a:t>
+            </a:r>
+            <a:r>
+              <a:rPr lang="en-CA" dirty="0" err="1">
                 <a:solidFill>
                   <a:srgbClr val="00B050"/>
                 </a:solidFill>
               </a:rPr>
-              <a:t>, </a:t>
-            </a:r>
-            <a:r>
-              <a:rPr lang="en-CA" dirty="0" err="1" smtClean="0">
+              <a:t>StErr</a:t>
+            </a:r>
+            <a:r>
+              <a:rPr lang="en-CA" dirty="0">
                 <a:solidFill>
                   <a:srgbClr val="00B050"/>
                 </a:solidFill>
               </a:rPr>
-              <a:t>StErr</a:t>
-            </a:r>
-            <a:r>
-              <a:rPr lang="en-CA" dirty="0" smtClean="0">
-                <a:solidFill>
-                  <a:srgbClr val="00B050"/>
-                </a:solidFill>
-              </a:rPr>
               <a:t>)</a:t>
             </a:r>
-            <a:endParaRPr lang="en-CA" dirty="0">
-              <a:solidFill>
-                <a:srgbClr val="00B050"/>
-              </a:solidFill>
-            </a:endParaRPr>
           </a:p>
           <a:p>
             <a:pPr marL="0" indent="0">
@@ -10648,13 +10801,6 @@
   <p:clrMapOvr>
     <a:masterClrMapping/>
   </p:clrMapOvr>
-  <p:timing>
-    <p:tnLst>
-      <p:par>
-        <p:cTn id="1" dur="indefinite" restart="never" nodeType="tmRoot"/>
-      </p:par>
-    </p:tnLst>
-  </p:timing>
 </p:sld>
 </file>
 
@@ -10696,10 +10842,9 @@
           <a:lstStyle/>
           <a:p>
             <a:r>
-              <a:rPr lang="en-CA" dirty="0" smtClean="0"/>
+              <a:rPr lang="en-CA" dirty="0"/>
               <a:t>MP design 3: anything goes</a:t>
             </a:r>
-            <a:endParaRPr lang="en-CA" dirty="0"/>
           </a:p>
         </p:txBody>
       </p:sp>
@@ -10767,13 +10912,6 @@
   <p:clrMapOvr>
     <a:masterClrMapping/>
   </p:clrMapOvr>
-  <p:timing>
-    <p:tnLst>
-      <p:par>
-        <p:cTn id="1" dur="indefinite" restart="never" nodeType="tmRoot"/>
-      </p:par>
-    </p:tnLst>
-  </p:timing>
 </p:sld>
 </file>
 
@@ -10815,10 +10953,9 @@
           <a:lstStyle/>
           <a:p>
             <a:r>
-              <a:rPr lang="en-CA" dirty="0" smtClean="0"/>
+              <a:rPr lang="en-CA" dirty="0"/>
               <a:t>MP design 3: anything goes</a:t>
             </a:r>
-            <a:endParaRPr lang="en-CA" dirty="0"/>
           </a:p>
         </p:txBody>
       </p:sp>
@@ -11471,10 +11608,9 @@
           <a:lstStyle/>
           <a:p>
             <a:r>
-              <a:rPr lang="en-CA" dirty="0" smtClean="0"/>
-              <a:t>Three things left to do:</a:t>
-            </a:r>
-            <a:endParaRPr lang="en-CA" dirty="0"/>
+              <a:rPr lang="en-CA" dirty="0"/>
+              <a:t>One thing left to do:</a:t>
+            </a:r>
           </a:p>
         </p:txBody>
       </p:sp>
@@ -11502,7 +11638,7 @@
               <a:buNone/>
             </a:pPr>
             <a:r>
-              <a:rPr lang="en-CA" dirty="0" smtClean="0"/>
+              <a:rPr lang="en-CA" dirty="0"/>
               <a:t>- We have to assign the right class to our new MP:</a:t>
             </a:r>
           </a:p>
@@ -11514,100 +11650,13 @@
               <a:buNone/>
             </a:pPr>
             <a:r>
-              <a:rPr lang="en-CA" b="1" dirty="0" smtClean="0">
+              <a:rPr lang="en-CA" b="1" dirty="0">
                 <a:solidFill>
                   <a:srgbClr val="00B050"/>
                 </a:solidFill>
               </a:rPr>
               <a:t>  class(HAC) = “Output”</a:t>
             </a:r>
-          </a:p>
-          <a:p>
-            <a:pPr marL="0" indent="0">
-              <a:buNone/>
-            </a:pPr>
-            <a:r>
-              <a:rPr lang="en-CA" dirty="0" smtClean="0"/>
-              <a:t>- It has to be visible to DLMtool:</a:t>
-            </a:r>
-          </a:p>
-          <a:p>
-            <a:pPr marL="0" indent="0">
-              <a:spcAft>
-                <a:spcPts val="1200"/>
-              </a:spcAft>
-              <a:buNone/>
-            </a:pPr>
-            <a:r>
-              <a:rPr lang="en-CA" b="1" dirty="0" smtClean="0">
-                <a:solidFill>
-                  <a:srgbClr val="00B050"/>
-                </a:solidFill>
-              </a:rPr>
-              <a:t>  environment(HAC) = </a:t>
-            </a:r>
-            <a:r>
-              <a:rPr lang="en-CA" b="1" dirty="0" err="1" smtClean="0">
-                <a:solidFill>
-                  <a:srgbClr val="00B050"/>
-                </a:solidFill>
-              </a:rPr>
-              <a:t>asNamespace</a:t>
-            </a:r>
-            <a:r>
-              <a:rPr lang="en-CA" b="1" dirty="0" smtClean="0">
-                <a:solidFill>
-                  <a:srgbClr val="00B050"/>
-                </a:solidFill>
-              </a:rPr>
-              <a:t>(“DLMtool”)</a:t>
-            </a:r>
-          </a:p>
-          <a:p>
-            <a:pPr marL="0" indent="0">
-              <a:buNone/>
-            </a:pPr>
-            <a:r>
-              <a:rPr lang="en-CA" dirty="0" smtClean="0"/>
-              <a:t>- And it should be compatible with parallel processing:</a:t>
-            </a:r>
-          </a:p>
-          <a:p>
-            <a:pPr marL="0" indent="0">
-              <a:spcAft>
-                <a:spcPts val="1200"/>
-              </a:spcAft>
-              <a:buNone/>
-            </a:pPr>
-            <a:r>
-              <a:rPr lang="en-CA" b="1" dirty="0" smtClean="0">
-                <a:solidFill>
-                  <a:srgbClr val="00B050"/>
-                </a:solidFill>
-              </a:rPr>
-              <a:t>  </a:t>
-            </a:r>
-            <a:r>
-              <a:rPr lang="en-CA" b="1" dirty="0" err="1" smtClean="0">
-                <a:solidFill>
-                  <a:srgbClr val="00B050"/>
-                </a:solidFill>
-              </a:rPr>
-              <a:t>sfExport</a:t>
-            </a:r>
-            <a:r>
-              <a:rPr lang="en-CA" b="1" dirty="0" smtClean="0">
-                <a:solidFill>
-                  <a:srgbClr val="00B050"/>
-                </a:solidFill>
-              </a:rPr>
-              <a:t>(“HAC”)</a:t>
-            </a:r>
-            <a:endParaRPr lang="en-CA" b="1" dirty="0">
-              <a:solidFill>
-                <a:srgbClr val="00B050"/>
-              </a:solidFill>
-            </a:endParaRPr>
           </a:p>
         </p:txBody>
       </p:sp>
@@ -11619,7 +11668,7 @@
         </p:nvSpPr>
         <p:spPr>
           <a:xfrm>
-            <a:off x="774254" y="4725144"/>
+            <a:off x="755576" y="2916272"/>
             <a:ext cx="6912768" cy="1200329"/>
           </a:xfrm>
           <a:prstGeom prst="rect">
@@ -11634,7 +11683,7 @@
           <a:lstStyle/>
           <a:p>
             <a:r>
-              <a:rPr lang="en-CA" sz="2400" dirty="0" smtClean="0">
+              <a:rPr lang="en-CA" sz="2400" dirty="0">
                 <a:solidFill>
                   <a:srgbClr val="126D96"/>
                 </a:solidFill>
@@ -11642,7 +11691,7 @@
               <a:t>Now HAC will be detected by </a:t>
             </a:r>
             <a:r>
-              <a:rPr lang="en-CA" sz="2400" b="1" dirty="0" smtClean="0">
+              <a:rPr lang="en-CA" sz="2400" b="1" dirty="0">
                 <a:solidFill>
                   <a:srgbClr val="00B050"/>
                 </a:solidFill>
@@ -11650,7 +11699,7 @@
               <a:t>Can()</a:t>
             </a:r>
             <a:r>
-              <a:rPr lang="en-CA" sz="2400" dirty="0" smtClean="0">
+              <a:rPr lang="en-CA" sz="2400" dirty="0">
                 <a:solidFill>
                   <a:srgbClr val="126D96"/>
                 </a:solidFill>
@@ -11658,7 +11707,7 @@
               <a:t>,</a:t>
             </a:r>
             <a:r>
-              <a:rPr lang="en-CA" sz="2400" dirty="0" smtClean="0">
+              <a:rPr lang="en-CA" sz="2400" dirty="0">
                 <a:solidFill>
                   <a:srgbClr val="00B050"/>
                 </a:solidFill>
@@ -11666,7 +11715,7 @@
               <a:t> </a:t>
             </a:r>
             <a:r>
-              <a:rPr lang="en-CA" sz="2400" b="1" dirty="0" smtClean="0">
+              <a:rPr lang="en-CA" sz="2400" b="1" dirty="0">
                 <a:solidFill>
                   <a:srgbClr val="00B050"/>
                 </a:solidFill>
@@ -11674,7 +11723,7 @@
               <a:t>Cant()</a:t>
             </a:r>
             <a:r>
-              <a:rPr lang="en-CA" sz="2400" dirty="0" smtClean="0">
+              <a:rPr lang="en-CA" sz="2400" dirty="0">
                 <a:solidFill>
                   <a:srgbClr val="126D96"/>
                 </a:solidFill>
@@ -11682,7 +11731,7 @@
               <a:t>,</a:t>
             </a:r>
             <a:r>
-              <a:rPr lang="en-CA" sz="2400" dirty="0" smtClean="0">
+              <a:rPr lang="en-CA" sz="2400" dirty="0">
                 <a:solidFill>
                   <a:srgbClr val="00B050"/>
                 </a:solidFill>
@@ -11690,7 +11739,7 @@
               <a:t> </a:t>
             </a:r>
             <a:r>
-              <a:rPr lang="en-CA" sz="2400" b="1" dirty="0" smtClean="0">
+              <a:rPr lang="en-CA" sz="2400" b="1" dirty="0">
                 <a:solidFill>
                   <a:srgbClr val="00B050"/>
                 </a:solidFill>
@@ -11698,7 +11747,7 @@
               <a:t>Needed()</a:t>
             </a:r>
             <a:r>
-              <a:rPr lang="en-CA" sz="2400" dirty="0" smtClean="0">
+              <a:rPr lang="en-CA" sz="2400" dirty="0">
                 <a:solidFill>
                   <a:srgbClr val="00B050"/>
                 </a:solidFill>
@@ -11706,7 +11755,7 @@
               <a:t> </a:t>
             </a:r>
             <a:r>
-              <a:rPr lang="en-CA" sz="2400" dirty="0" smtClean="0">
+              <a:rPr lang="en-CA" sz="2400" dirty="0">
                 <a:solidFill>
                   <a:srgbClr val="126D96"/>
                 </a:solidFill>
@@ -11714,7 +11763,7 @@
               <a:t>and can be used to both set TACs with real data using </a:t>
             </a:r>
             <a:r>
-              <a:rPr lang="en-CA" sz="2400" b="1" dirty="0" smtClean="0">
+              <a:rPr lang="en-CA" sz="2400" b="1" dirty="0">
                 <a:solidFill>
                   <a:srgbClr val="00B050"/>
                 </a:solidFill>
@@ -11722,7 +11771,7 @@
               <a:t>TAC()</a:t>
             </a:r>
             <a:r>
-              <a:rPr lang="en-CA" sz="2400" dirty="0" smtClean="0">
+              <a:rPr lang="en-CA" sz="2400" dirty="0">
                 <a:solidFill>
                   <a:srgbClr val="00B050"/>
                 </a:solidFill>
@@ -11730,7 +11779,7 @@
               <a:t> </a:t>
             </a:r>
             <a:r>
-              <a:rPr lang="en-CA" sz="2400" dirty="0" smtClean="0">
+              <a:rPr lang="en-CA" sz="2400" dirty="0">
                 <a:solidFill>
                   <a:srgbClr val="126D96"/>
                 </a:solidFill>
@@ -11738,7 +11787,7 @@
               <a:t>and </a:t>
             </a:r>
             <a:r>
-              <a:rPr lang="en-CA" sz="2400" b="1" dirty="0" smtClean="0">
+              <a:rPr lang="en-CA" sz="2400" b="1" dirty="0">
                 <a:solidFill>
                   <a:srgbClr val="00B050"/>
                 </a:solidFill>
@@ -11746,7 +11795,7 @@
               <a:t>Sense()</a:t>
             </a:r>
             <a:r>
-              <a:rPr lang="en-CA" sz="2400" dirty="0" smtClean="0">
+              <a:rPr lang="en-CA" sz="2400" dirty="0">
                 <a:solidFill>
                   <a:srgbClr val="126D96"/>
                 </a:solidFill>
@@ -11754,7 +11803,7 @@
               <a:t> and also be tested in </a:t>
             </a:r>
             <a:r>
-              <a:rPr lang="en-CA" sz="2400" b="1" dirty="0" smtClean="0">
+              <a:rPr lang="en-CA" sz="2400" b="1" dirty="0">
                 <a:solidFill>
                   <a:srgbClr val="00B050"/>
                 </a:solidFill>
@@ -11762,18 +11811,13 @@
               <a:t>runMSE()</a:t>
             </a:r>
             <a:r>
-              <a:rPr lang="en-CA" sz="2400" dirty="0" smtClean="0">
+              <a:rPr lang="en-CA" sz="2400" dirty="0">
                 <a:solidFill>
                   <a:srgbClr val="126D96"/>
                 </a:solidFill>
               </a:rPr>
               <a:t>.</a:t>
             </a:r>
-            <a:endParaRPr lang="en-CA" sz="2400" dirty="0">
-              <a:solidFill>
-                <a:srgbClr val="126D96"/>
-              </a:solidFill>
-            </a:endParaRPr>
           </a:p>
         </p:txBody>
       </p:sp>
@@ -11787,13 +11831,6 @@
   <p:clrMapOvr>
     <a:masterClrMapping/>
   </p:clrMapOvr>
-  <p:timing>
-    <p:tnLst>
-      <p:par>
-        <p:cTn id="1" dur="indefinite" restart="never" nodeType="tmRoot"/>
-      </p:par>
-    </p:tnLst>
-  </p:timing>
 </p:sld>
 </file>
 

--- a/Disused code/Misc/DLM_DFO/Lectures/4 Making recommendations/L4b Custom output control MPs.pptx
+++ b/Disused code/Misc/DLM_DFO/Lectures/4 Making recommendations/L4b Custom output control MPs.pptx
@@ -270,7 +270,7 @@
               <a:pPr>
                 <a:defRPr/>
               </a:pPr>
-              <a:t>2017-10-23</a:t>
+              <a:t>2017-10-31</a:t>
             </a:fld>
             <a:endParaRPr lang="en-CA"/>
           </a:p>
@@ -785,7 +785,7 @@
               <a:pPr>
                 <a:defRPr/>
               </a:pPr>
-              <a:t>10/23/2017</a:t>
+              <a:t>10/31/2017</a:t>
             </a:fld>
             <a:endParaRPr lang="en-US" dirty="0"/>
           </a:p>
@@ -1155,7 +1155,7 @@
               <a:pPr>
                 <a:defRPr/>
               </a:pPr>
-              <a:t>10/23/2017</a:t>
+              <a:t>10/31/2017</a:t>
             </a:fld>
             <a:endParaRPr lang="en-US" dirty="0"/>
           </a:p>
@@ -1433,7 +1433,7 @@
               <a:pPr>
                 <a:defRPr/>
               </a:pPr>
-              <a:t>10/23/2017</a:t>
+              <a:t>10/31/2017</a:t>
             </a:fld>
             <a:endParaRPr lang="en-US" dirty="0"/>
           </a:p>
@@ -2022,7 +2022,7 @@
               <a:pPr>
                 <a:defRPr/>
               </a:pPr>
-              <a:t>10/23/2017</a:t>
+              <a:t>10/31/2017</a:t>
             </a:fld>
             <a:endParaRPr lang="en-US" dirty="0"/>
           </a:p>
@@ -2302,7 +2302,7 @@
               <a:pPr>
                 <a:defRPr/>
               </a:pPr>
-              <a:t>10/23/2017</a:t>
+              <a:t>10/31/2017</a:t>
             </a:fld>
             <a:endParaRPr lang="en-US" dirty="0"/>
           </a:p>
@@ -2930,7 +2930,7 @@
               <a:pPr>
                 <a:defRPr/>
               </a:pPr>
-              <a:t>10/23/2017</a:t>
+              <a:t>10/31/2017</a:t>
             </a:fld>
             <a:endParaRPr lang="en-US" dirty="0"/>
           </a:p>
@@ -3850,7 +3850,7 @@
               <a:pPr>
                 <a:defRPr/>
               </a:pPr>
-              <a:t>10/23/2017</a:t>
+              <a:t>10/31/2017</a:t>
             </a:fld>
             <a:endParaRPr lang="en-US" dirty="0"/>
           </a:p>
@@ -4106,7 +4106,7 @@
               <a:pPr>
                 <a:defRPr/>
               </a:pPr>
-              <a:t>10/23/2017</a:t>
+              <a:t>10/31/2017</a:t>
             </a:fld>
             <a:endParaRPr lang="en-US" dirty="0"/>
           </a:p>
@@ -4372,7 +4372,7 @@
               <a:pPr>
                 <a:defRPr/>
               </a:pPr>
-              <a:t>10/23/2017</a:t>
+              <a:t>10/31/2017</a:t>
             </a:fld>
             <a:endParaRPr lang="en-US" dirty="0"/>
           </a:p>
@@ -4633,7 +4633,7 @@
               <a:pPr>
                 <a:defRPr/>
               </a:pPr>
-              <a:t>10/23/2017</a:t>
+              <a:t>10/31/2017</a:t>
             </a:fld>
             <a:endParaRPr lang="en-US" dirty="0"/>
           </a:p>
@@ -4912,7 +4912,7 @@
               <a:pPr>
                 <a:defRPr/>
               </a:pPr>
-              <a:t>10/23/2017</a:t>
+              <a:t>10/31/2017</a:t>
             </a:fld>
             <a:endParaRPr lang="en-US" dirty="0"/>
           </a:p>
@@ -5166,7 +5166,7 @@
               <a:pPr>
                 <a:defRPr/>
               </a:pPr>
-              <a:t>10/23/2017</a:t>
+              <a:t>10/31/2017</a:t>
             </a:fld>
             <a:endParaRPr lang="en-US" dirty="0"/>
           </a:p>
@@ -5581,7 +5581,7 @@
               <a:pPr>
                 <a:defRPr/>
               </a:pPr>
-              <a:t>10/23/2017</a:t>
+              <a:t>10/31/2017</a:t>
             </a:fld>
             <a:endParaRPr lang="en-US" dirty="0"/>
           </a:p>
@@ -5721,7 +5721,7 @@
               <a:pPr>
                 <a:defRPr/>
               </a:pPr>
-              <a:t>10/23/2017</a:t>
+              <a:t>10/31/2017</a:t>
             </a:fld>
             <a:endParaRPr lang="en-US" dirty="0"/>
           </a:p>
@@ -5838,7 +5838,7 @@
               <a:pPr>
                 <a:defRPr/>
               </a:pPr>
-              <a:t>10/23/2017</a:t>
+              <a:t>10/31/2017</a:t>
             </a:fld>
             <a:endParaRPr lang="en-US" dirty="0"/>
           </a:p>
@@ -6135,7 +6135,7 @@
               <a:pPr>
                 <a:defRPr/>
               </a:pPr>
-              <a:t>10/23/2017</a:t>
+              <a:t>10/31/2017</a:t>
             </a:fld>
             <a:endParaRPr lang="en-US" dirty="0"/>
           </a:p>
@@ -6443,7 +6443,7 @@
               <a:pPr>
                 <a:defRPr/>
               </a:pPr>
-              <a:t>10/23/2017</a:t>
+              <a:t>10/31/2017</a:t>
             </a:fld>
             <a:endParaRPr lang="en-US" dirty="0"/>
           </a:p>
@@ -6752,7 +6752,7 @@
               <a:pPr>
                 <a:defRPr/>
               </a:pPr>
-              <a:t>10/23/2017</a:t>
+              <a:t>10/31/2017</a:t>
             </a:fld>
             <a:endParaRPr lang="en-US" dirty="0"/>
           </a:p>
@@ -7371,12 +7371,20 @@
               <a:defRPr/>
             </a:pPr>
             <a:r>
+              <a:rPr lang="en-US" sz="3600">
+                <a:solidFill>
+                  <a:srgbClr val="27AFE5"/>
+                </a:solidFill>
+              </a:rPr>
+              <a:t>Data-Limited Methods </a:t>
+            </a:r>
+            <a:r>
               <a:rPr lang="en-US" sz="3600" dirty="0">
                 <a:solidFill>
                   <a:srgbClr val="27AFE5"/>
                 </a:solidFill>
               </a:rPr>
-              <a:t>Data-Limited Fisheries Toolkit </a:t>
+              <a:t>Toolkit </a:t>
             </a:r>
           </a:p>
         </p:txBody>
